--- a/User interface.pptx
+++ b/User interface.pptx
@@ -20,7 +20,8 @@
     <p:sldId id="268" r:id="rId14"/>
     <p:sldId id="269" r:id="rId15"/>
     <p:sldId id="272" r:id="rId16"/>
-    <p:sldId id="270" r:id="rId17"/>
+    <p:sldId id="274" r:id="rId17"/>
+    <p:sldId id="270" r:id="rId18"/>
   </p:sldIdLst>
   <p:sldSz cx="12192000" cy="6858000"/>
   <p:notesSz cx="6858000" cy="9144000"/>
@@ -129,7 +130,7 @@
 
 <file path=ppt/commentAuthors.xml><?xml version="1.0" encoding="utf-8"?>
 <p:cmAuthorLst xmlns:a="http://schemas.openxmlformats.org/drawingml/2006/main" xmlns:r="http://schemas.openxmlformats.org/officeDocument/2006/relationships" xmlns:p="http://schemas.openxmlformats.org/presentationml/2006/main">
-  <p:cmAuthor id="1" name="sivan azari" initials="sa" lastIdx="28" clrIdx="0">
+  <p:cmAuthor id="1" name="sivan azari" initials="sa" lastIdx="29" clrIdx="0">
     <p:extLst>
       <p:ext uri="{19B8F6BF-5375-455C-9EA6-DF929625EA0E}">
         <p15:presenceInfo xmlns:p15="http://schemas.microsoft.com/office/powerpoint/2012/main" userId="b97560f207bd7627" providerId="Windows Live"/>
@@ -399,6 +400,15 @@
       </p:ext>
     </p:extLst>
   </p:cm>
+  <p:cm authorId="1" dt="2021-01-05T14:40:22.390" idx="29">
+    <p:pos x="1875" y="1523"/>
+    <p:text>If we want to edit what we planned, or to change the date in order for it to show in the upcoming schedue, we need to pull the information and let the user edit</p:text>
+    <p:extLst>
+      <p:ext uri="{C676402C-5697-4E1C-873F-D02D1690AC5C}">
+        <p15:threadingInfo xmlns:p15="http://schemas.microsoft.com/office/powerpoint/2012/main" timeZoneBias="-120"/>
+      </p:ext>
+    </p:extLst>
+  </p:cm>
 </p:cmLst>
 </file>
 
@@ -575,7 +585,7 @@
           <a:p>
             <a:fld id="{98214943-1E5A-4844-AFF2-77EB2CBAFB61}" type="datetimeFigureOut">
               <a:rPr lang="he-IL" smtClean="0"/>
-              <a:t>ח'/טבת/תשפ"א</a:t>
+              <a:t>כ"ב/טבת/תשפ"א</a:t>
             </a:fld>
             <a:endParaRPr lang="he-IL"/>
           </a:p>
@@ -775,7 +785,7 @@
           <a:p>
             <a:fld id="{98214943-1E5A-4844-AFF2-77EB2CBAFB61}" type="datetimeFigureOut">
               <a:rPr lang="he-IL" smtClean="0"/>
-              <a:t>ח'/טבת/תשפ"א</a:t>
+              <a:t>כ"ב/טבת/תשפ"א</a:t>
             </a:fld>
             <a:endParaRPr lang="he-IL"/>
           </a:p>
@@ -985,7 +995,7 @@
           <a:p>
             <a:fld id="{98214943-1E5A-4844-AFF2-77EB2CBAFB61}" type="datetimeFigureOut">
               <a:rPr lang="he-IL" smtClean="0"/>
-              <a:t>ח'/טבת/תשפ"א</a:t>
+              <a:t>כ"ב/טבת/תשפ"א</a:t>
             </a:fld>
             <a:endParaRPr lang="he-IL"/>
           </a:p>
@@ -1185,7 +1195,7 @@
           <a:p>
             <a:fld id="{98214943-1E5A-4844-AFF2-77EB2CBAFB61}" type="datetimeFigureOut">
               <a:rPr lang="he-IL" smtClean="0"/>
-              <a:t>ח'/טבת/תשפ"א</a:t>
+              <a:t>כ"ב/טבת/תשפ"א</a:t>
             </a:fld>
             <a:endParaRPr lang="he-IL"/>
           </a:p>
@@ -1461,7 +1471,7 @@
           <a:p>
             <a:fld id="{98214943-1E5A-4844-AFF2-77EB2CBAFB61}" type="datetimeFigureOut">
               <a:rPr lang="he-IL" smtClean="0"/>
-              <a:t>ח'/טבת/תשפ"א</a:t>
+              <a:t>כ"ב/טבת/תשפ"א</a:t>
             </a:fld>
             <a:endParaRPr lang="he-IL"/>
           </a:p>
@@ -1729,7 +1739,7 @@
           <a:p>
             <a:fld id="{98214943-1E5A-4844-AFF2-77EB2CBAFB61}" type="datetimeFigureOut">
               <a:rPr lang="he-IL" smtClean="0"/>
-              <a:t>ח'/טבת/תשפ"א</a:t>
+              <a:t>כ"ב/טבת/תשפ"א</a:t>
             </a:fld>
             <a:endParaRPr lang="he-IL"/>
           </a:p>
@@ -2144,7 +2154,7 @@
           <a:p>
             <a:fld id="{98214943-1E5A-4844-AFF2-77EB2CBAFB61}" type="datetimeFigureOut">
               <a:rPr lang="he-IL" smtClean="0"/>
-              <a:t>ח'/טבת/תשפ"א</a:t>
+              <a:t>כ"ב/טבת/תשפ"א</a:t>
             </a:fld>
             <a:endParaRPr lang="he-IL"/>
           </a:p>
@@ -2286,7 +2296,7 @@
           <a:p>
             <a:fld id="{98214943-1E5A-4844-AFF2-77EB2CBAFB61}" type="datetimeFigureOut">
               <a:rPr lang="he-IL" smtClean="0"/>
-              <a:t>ח'/טבת/תשפ"א</a:t>
+              <a:t>כ"ב/טבת/תשפ"א</a:t>
             </a:fld>
             <a:endParaRPr lang="he-IL"/>
           </a:p>
@@ -2399,7 +2409,7 @@
           <a:p>
             <a:fld id="{98214943-1E5A-4844-AFF2-77EB2CBAFB61}" type="datetimeFigureOut">
               <a:rPr lang="he-IL" smtClean="0"/>
-              <a:t>ח'/טבת/תשפ"א</a:t>
+              <a:t>כ"ב/טבת/תשפ"א</a:t>
             </a:fld>
             <a:endParaRPr lang="he-IL"/>
           </a:p>
@@ -2712,7 +2722,7 @@
           <a:p>
             <a:fld id="{98214943-1E5A-4844-AFF2-77EB2CBAFB61}" type="datetimeFigureOut">
               <a:rPr lang="he-IL" smtClean="0"/>
-              <a:t>ח'/טבת/תשפ"א</a:t>
+              <a:t>כ"ב/טבת/תשפ"א</a:t>
             </a:fld>
             <a:endParaRPr lang="he-IL"/>
           </a:p>
@@ -3001,7 +3011,7 @@
           <a:p>
             <a:fld id="{98214943-1E5A-4844-AFF2-77EB2CBAFB61}" type="datetimeFigureOut">
               <a:rPr lang="he-IL" smtClean="0"/>
-              <a:t>ח'/טבת/תשפ"א</a:t>
+              <a:t>כ"ב/טבת/תשפ"א</a:t>
             </a:fld>
             <a:endParaRPr lang="he-IL"/>
           </a:p>
@@ -3244,7 +3254,7 @@
           <a:p>
             <a:fld id="{98214943-1E5A-4844-AFF2-77EB2CBAFB61}" type="datetimeFigureOut">
               <a:rPr lang="he-IL" smtClean="0"/>
-              <a:t>ח'/טבת/תשפ"א</a:t>
+              <a:t>כ"ב/טבת/תשפ"א</a:t>
             </a:fld>
             <a:endParaRPr lang="he-IL"/>
           </a:p>
@@ -6506,8 +6516,8 @@
         </p:nvSpPr>
         <p:spPr>
           <a:xfrm>
-            <a:off x="3303473" y="2478188"/>
-            <a:ext cx="1176824" cy="926240"/>
+            <a:off x="3310621" y="2478188"/>
+            <a:ext cx="1169675" cy="926240"/>
           </a:xfrm>
           <a:prstGeom prst="flowChartProcess">
             <a:avLst/>
@@ -7121,8 +7131,8 @@
         </p:nvSpPr>
         <p:spPr>
           <a:xfrm>
-            <a:off x="2231029" y="2477866"/>
-            <a:ext cx="1079592" cy="913572"/>
+            <a:off x="2231028" y="2477866"/>
+            <a:ext cx="1060769" cy="913572"/>
           </a:xfrm>
           <a:prstGeom prst="flowChartProcess">
             <a:avLst/>
@@ -8606,56 +8616,6 @@
           </a:fontRef>
         </p:style>
       </p:cxnSp>
-      <p:sp>
-        <p:nvSpPr>
-          <p:cNvPr id="59" name="Oval 58">
-            <a:extLst>
-              <a:ext uri="{FF2B5EF4-FFF2-40B4-BE49-F238E27FC236}">
-                <a16:creationId xmlns:a16="http://schemas.microsoft.com/office/drawing/2014/main" id="{851EFA06-E8B0-48F8-81EC-8BFC668A836B}"/>
-              </a:ext>
-            </a:extLst>
-          </p:cNvPr>
-          <p:cNvSpPr/>
-          <p:nvPr/>
-        </p:nvSpPr>
-        <p:spPr>
-          <a:xfrm>
-            <a:off x="6840249" y="3157385"/>
-            <a:ext cx="1481580" cy="818274"/>
-          </a:xfrm>
-          <a:prstGeom prst="ellipse">
-            <a:avLst/>
-          </a:prstGeom>
-        </p:spPr>
-        <p:style>
-          <a:lnRef idx="2">
-            <a:schemeClr val="dk1">
-              <a:shade val="50000"/>
-            </a:schemeClr>
-          </a:lnRef>
-          <a:fillRef idx="1">
-            <a:schemeClr val="dk1"/>
-          </a:fillRef>
-          <a:effectRef idx="0">
-            <a:schemeClr val="dk1"/>
-          </a:effectRef>
-          <a:fontRef idx="minor">
-            <a:schemeClr val="lt1"/>
-          </a:fontRef>
-        </p:style>
-        <p:txBody>
-          <a:bodyPr rtlCol="1" anchor="ctr"/>
-          <a:lstStyle/>
-          <a:p>
-            <a:pPr algn="ctr"/>
-            <a:r>
-              <a:rPr lang="en-US" dirty="0"/>
-              <a:t>Calendar</a:t>
-            </a:r>
-            <a:endParaRPr lang="he-IL" dirty="0"/>
-          </a:p>
-        </p:txBody>
-      </p:sp>
       <p:sp>
         <p:nvSpPr>
           <p:cNvPr id="130" name="Rectangle 129">
@@ -9486,6 +9446,56 @@
           </a:prstGeom>
         </p:spPr>
       </p:pic>
+      <p:sp>
+        <p:nvSpPr>
+          <p:cNvPr id="26" name="Oval 25">
+            <a:extLst>
+              <a:ext uri="{FF2B5EF4-FFF2-40B4-BE49-F238E27FC236}">
+                <a16:creationId xmlns:a16="http://schemas.microsoft.com/office/drawing/2014/main" id="{BA884A2A-84C6-45D4-93AC-2B80580768E9}"/>
+              </a:ext>
+            </a:extLst>
+          </p:cNvPr>
+          <p:cNvSpPr/>
+          <p:nvPr/>
+        </p:nvSpPr>
+        <p:spPr>
+          <a:xfrm>
+            <a:off x="6915960" y="3084397"/>
+            <a:ext cx="1390739" cy="911320"/>
+          </a:xfrm>
+          <a:prstGeom prst="ellipse">
+            <a:avLst/>
+          </a:prstGeom>
+        </p:spPr>
+        <p:style>
+          <a:lnRef idx="2">
+            <a:schemeClr val="dk1">
+              <a:shade val="50000"/>
+            </a:schemeClr>
+          </a:lnRef>
+          <a:fillRef idx="1">
+            <a:schemeClr val="dk1"/>
+          </a:fillRef>
+          <a:effectRef idx="0">
+            <a:schemeClr val="dk1"/>
+          </a:effectRef>
+          <a:fontRef idx="minor">
+            <a:schemeClr val="lt1"/>
+          </a:fontRef>
+        </p:style>
+        <p:txBody>
+          <a:bodyPr rtlCol="1" anchor="ctr"/>
+          <a:lstStyle/>
+          <a:p>
+            <a:pPr algn="ctr"/>
+            <a:r>
+              <a:rPr lang="en-US" dirty="0"/>
+              <a:t>Pick a date</a:t>
+            </a:r>
+            <a:endParaRPr lang="he-IL" dirty="0"/>
+          </a:p>
+        </p:txBody>
+      </p:sp>
     </p:spTree>
     <p:extLst>
       <p:ext uri="{BB962C8B-B14F-4D97-AF65-F5344CB8AC3E}">
@@ -10769,8 +10779,8 @@
         </p:nvSpPr>
         <p:spPr>
           <a:xfrm>
-            <a:off x="3303473" y="2478188"/>
-            <a:ext cx="1176824" cy="926240"/>
+            <a:off x="3357615" y="2478188"/>
+            <a:ext cx="1122682" cy="926240"/>
           </a:xfrm>
           <a:prstGeom prst="flowChartProcess">
             <a:avLst/>
@@ -11141,7 +11151,7 @@
         </p:nvSpPr>
         <p:spPr>
           <a:xfrm>
-            <a:off x="551265" y="141699"/>
+            <a:off x="485150" y="114640"/>
             <a:ext cx="2103954" cy="591552"/>
           </a:xfrm>
           <a:prstGeom prst="rect">
@@ -11189,8 +11199,8 @@
         </p:nvSpPr>
         <p:spPr>
           <a:xfrm>
-            <a:off x="1378754" y="2477866"/>
-            <a:ext cx="1931867" cy="913572"/>
+            <a:off x="1378755" y="2477866"/>
+            <a:ext cx="1106542" cy="913572"/>
           </a:xfrm>
           <a:prstGeom prst="flowChartProcess">
             <a:avLst/>
@@ -11238,7 +11248,7 @@
         <p:spPr>
           <a:xfrm>
             <a:off x="1364996" y="3502274"/>
-            <a:ext cx="1985396" cy="890165"/>
+            <a:ext cx="1138993" cy="890165"/>
           </a:xfrm>
           <a:prstGeom prst="flowChartProcess">
             <a:avLst/>
@@ -11285,8 +11295,8 @@
         </p:nvSpPr>
         <p:spPr>
           <a:xfrm>
-            <a:off x="1364995" y="4515578"/>
-            <a:ext cx="1968465" cy="913572"/>
+            <a:off x="1364996" y="4515578"/>
+            <a:ext cx="1111038" cy="913572"/>
           </a:xfrm>
           <a:prstGeom prst="flowChartProcess">
             <a:avLst/>
@@ -11333,8 +11343,8 @@
         </p:nvSpPr>
         <p:spPr>
           <a:xfrm>
-            <a:off x="1382505" y="5473927"/>
-            <a:ext cx="1944837" cy="913572"/>
+            <a:off x="1382506" y="5473927"/>
+            <a:ext cx="1093528" cy="913572"/>
           </a:xfrm>
           <a:prstGeom prst="flowChartProcess">
             <a:avLst/>
@@ -11381,7 +11391,7 @@
         </p:nvSpPr>
         <p:spPr>
           <a:xfrm>
-            <a:off x="6621124" y="914400"/>
+            <a:off x="6637900" y="949526"/>
             <a:ext cx="5050301" cy="5943600"/>
           </a:xfrm>
           <a:prstGeom prst="rect">
@@ -13978,51 +13988,535 @@
       </p:pic>
       <p:sp>
         <p:nvSpPr>
-          <p:cNvPr id="118" name="Oval 117">
-            <a:extLst>
-              <a:ext uri="{FF2B5EF4-FFF2-40B4-BE49-F238E27FC236}">
-                <a16:creationId xmlns:a16="http://schemas.microsoft.com/office/drawing/2014/main" id="{138E9C04-528D-4A83-BD51-D6D18B673B4F}"/>
-              </a:ext>
-            </a:extLst>
-          </p:cNvPr>
-          <p:cNvSpPr/>
-          <p:nvPr/>
-        </p:nvSpPr>
-        <p:spPr>
-          <a:xfrm>
-            <a:off x="6840249" y="2406141"/>
-            <a:ext cx="1481580" cy="818274"/>
-          </a:xfrm>
-          <a:prstGeom prst="ellipse">
+          <p:cNvPr id="119" name="Flowchart: Process 118">
+            <a:extLst>
+              <a:ext uri="{FF2B5EF4-FFF2-40B4-BE49-F238E27FC236}">
+                <a16:creationId xmlns:a16="http://schemas.microsoft.com/office/drawing/2014/main" id="{2EC09470-C638-4CF0-BA53-DBEE04E612F4}"/>
+              </a:ext>
+            </a:extLst>
+          </p:cNvPr>
+          <p:cNvSpPr/>
+          <p:nvPr/>
+        </p:nvSpPr>
+        <p:spPr>
+          <a:xfrm>
+            <a:off x="2459917" y="2457588"/>
+            <a:ext cx="907768" cy="913572"/>
+          </a:xfrm>
+          <a:prstGeom prst="flowChartProcess">
+            <a:avLst/>
+          </a:prstGeom>
+        </p:spPr>
+        <p:style>
+          <a:lnRef idx="3">
+            <a:schemeClr val="lt1"/>
+          </a:lnRef>
+          <a:fillRef idx="1">
+            <a:schemeClr val="accent6"/>
+          </a:fillRef>
+          <a:effectRef idx="1">
+            <a:schemeClr val="accent6"/>
+          </a:effectRef>
+          <a:fontRef idx="minor">
+            <a:schemeClr val="lt1"/>
+          </a:fontRef>
+        </p:style>
+        <p:txBody>
+          <a:bodyPr rtlCol="1" anchor="ctr"/>
+          <a:lstStyle/>
+          <a:p>
+            <a:pPr algn="ctr"/>
+            <a:r>
+              <a:rPr lang="en-US" sz="1400" dirty="0"/>
+              <a:t>Edit</a:t>
+            </a:r>
+            <a:endParaRPr lang="he-IL" sz="1400" dirty="0"/>
+          </a:p>
+        </p:txBody>
+      </p:sp>
+      <p:sp>
+        <p:nvSpPr>
+          <p:cNvPr id="120" name="Flowchart: Process 119">
+            <a:extLst>
+              <a:ext uri="{FF2B5EF4-FFF2-40B4-BE49-F238E27FC236}">
+                <a16:creationId xmlns:a16="http://schemas.microsoft.com/office/drawing/2014/main" id="{85726205-3AA6-4FE8-8EDC-AE368A11D2B0}"/>
+              </a:ext>
+            </a:extLst>
+          </p:cNvPr>
+          <p:cNvSpPr/>
+          <p:nvPr/>
+        </p:nvSpPr>
+        <p:spPr>
+          <a:xfrm>
+            <a:off x="2392572" y="3478867"/>
+            <a:ext cx="760435" cy="913572"/>
+          </a:xfrm>
+          <a:prstGeom prst="flowChartProcess">
+            <a:avLst/>
+          </a:prstGeom>
+        </p:spPr>
+        <p:style>
+          <a:lnRef idx="3">
+            <a:schemeClr val="lt1"/>
+          </a:lnRef>
+          <a:fillRef idx="1">
+            <a:schemeClr val="accent6"/>
+          </a:fillRef>
+          <a:effectRef idx="1">
+            <a:schemeClr val="accent6"/>
+          </a:effectRef>
+          <a:fontRef idx="minor">
+            <a:schemeClr val="lt1"/>
+          </a:fontRef>
+        </p:style>
+        <p:txBody>
+          <a:bodyPr rtlCol="1" anchor="ctr"/>
+          <a:lstStyle/>
+          <a:p>
+            <a:pPr algn="ctr"/>
+            <a:r>
+              <a:rPr lang="en-US" sz="1400" dirty="0"/>
+              <a:t>Edit</a:t>
+            </a:r>
+            <a:endParaRPr lang="he-IL" sz="1400" dirty="0"/>
+          </a:p>
+        </p:txBody>
+      </p:sp>
+      <p:sp>
+        <p:nvSpPr>
+          <p:cNvPr id="121" name="Flowchart: Process 120">
+            <a:extLst>
+              <a:ext uri="{FF2B5EF4-FFF2-40B4-BE49-F238E27FC236}">
+                <a16:creationId xmlns:a16="http://schemas.microsoft.com/office/drawing/2014/main" id="{E26E4C54-9BD3-4393-980D-70191F1BD39C}"/>
+              </a:ext>
+            </a:extLst>
+          </p:cNvPr>
+          <p:cNvSpPr/>
+          <p:nvPr/>
+        </p:nvSpPr>
+        <p:spPr>
+          <a:xfrm>
+            <a:off x="2394948" y="4483749"/>
+            <a:ext cx="780619" cy="913572"/>
+          </a:xfrm>
+          <a:prstGeom prst="flowChartProcess">
+            <a:avLst/>
+          </a:prstGeom>
+        </p:spPr>
+        <p:style>
+          <a:lnRef idx="3">
+            <a:schemeClr val="lt1"/>
+          </a:lnRef>
+          <a:fillRef idx="1">
+            <a:schemeClr val="accent6"/>
+          </a:fillRef>
+          <a:effectRef idx="1">
+            <a:schemeClr val="accent6"/>
+          </a:effectRef>
+          <a:fontRef idx="minor">
+            <a:schemeClr val="lt1"/>
+          </a:fontRef>
+        </p:style>
+        <p:txBody>
+          <a:bodyPr rtlCol="1" anchor="ctr"/>
+          <a:lstStyle/>
+          <a:p>
+            <a:pPr algn="ctr"/>
+            <a:r>
+              <a:rPr lang="en-US" sz="1400" dirty="0"/>
+              <a:t>Edit</a:t>
+            </a:r>
+            <a:endParaRPr lang="he-IL" sz="1400" dirty="0"/>
+          </a:p>
+        </p:txBody>
+      </p:sp>
+      <p:sp>
+        <p:nvSpPr>
+          <p:cNvPr id="122" name="Flowchart: Process 121">
+            <a:extLst>
+              <a:ext uri="{FF2B5EF4-FFF2-40B4-BE49-F238E27FC236}">
+                <a16:creationId xmlns:a16="http://schemas.microsoft.com/office/drawing/2014/main" id="{FEF677CE-6C7B-46BE-B258-9CE7CF4F2B2E}"/>
+              </a:ext>
+            </a:extLst>
+          </p:cNvPr>
+          <p:cNvSpPr/>
+          <p:nvPr/>
+        </p:nvSpPr>
+        <p:spPr>
+          <a:xfrm>
+            <a:off x="2409219" y="5460181"/>
+            <a:ext cx="751465" cy="913572"/>
+          </a:xfrm>
+          <a:prstGeom prst="flowChartProcess">
+            <a:avLst/>
+          </a:prstGeom>
+        </p:spPr>
+        <p:style>
+          <a:lnRef idx="3">
+            <a:schemeClr val="lt1"/>
+          </a:lnRef>
+          <a:fillRef idx="1">
+            <a:schemeClr val="accent6"/>
+          </a:fillRef>
+          <a:effectRef idx="1">
+            <a:schemeClr val="accent6"/>
+          </a:effectRef>
+          <a:fontRef idx="minor">
+            <a:schemeClr val="lt1"/>
+          </a:fontRef>
+        </p:style>
+        <p:txBody>
+          <a:bodyPr rtlCol="1" anchor="ctr"/>
+          <a:lstStyle/>
+          <a:p>
+            <a:pPr algn="ctr"/>
+            <a:r>
+              <a:rPr lang="en-US" sz="1400" dirty="0"/>
+              <a:t>Edit</a:t>
+            </a:r>
+            <a:endParaRPr lang="he-IL" sz="1400" dirty="0"/>
+          </a:p>
+        </p:txBody>
+      </p:sp>
+      <p:sp>
+        <p:nvSpPr>
+          <p:cNvPr id="26" name="Rectangle 25">
+            <a:extLst>
+              <a:ext uri="{FF2B5EF4-FFF2-40B4-BE49-F238E27FC236}">
+                <a16:creationId xmlns:a16="http://schemas.microsoft.com/office/drawing/2014/main" id="{BDF16835-79BE-4EA3-9A63-C3264068FE35}"/>
+              </a:ext>
+            </a:extLst>
+          </p:cNvPr>
+          <p:cNvSpPr/>
+          <p:nvPr/>
+        </p:nvSpPr>
+        <p:spPr>
+          <a:xfrm>
+            <a:off x="10278632" y="3341859"/>
+            <a:ext cx="1028257" cy="276999"/>
+          </a:xfrm>
+          <a:prstGeom prst="rect">
             <a:avLst/>
           </a:prstGeom>
         </p:spPr>
         <p:style>
           <a:lnRef idx="2">
-            <a:schemeClr val="dk1">
+            <a:schemeClr val="accent1">
               <a:shade val="50000"/>
             </a:schemeClr>
           </a:lnRef>
           <a:fillRef idx="1">
+            <a:schemeClr val="accent1"/>
+          </a:fillRef>
+          <a:effectRef idx="0">
+            <a:schemeClr val="accent1"/>
+          </a:effectRef>
+          <a:fontRef idx="minor">
+            <a:schemeClr val="lt1"/>
+          </a:fontRef>
+        </p:style>
+        <p:txBody>
+          <a:bodyPr rtlCol="1" anchor="ctr"/>
+          <a:lstStyle/>
+          <a:p>
+            <a:pPr algn="ctr"/>
+            <a:r>
+              <a:rPr lang="en-US" dirty="0"/>
+              <a:t>number</a:t>
+            </a:r>
+            <a:endParaRPr lang="he-IL" dirty="0"/>
+          </a:p>
+        </p:txBody>
+      </p:sp>
+      <p:sp>
+        <p:nvSpPr>
+          <p:cNvPr id="123" name="Rectangle 122">
+            <a:extLst>
+              <a:ext uri="{FF2B5EF4-FFF2-40B4-BE49-F238E27FC236}">
+                <a16:creationId xmlns:a16="http://schemas.microsoft.com/office/drawing/2014/main" id="{4D75577B-6341-478E-AB41-25AF27DA511D}"/>
+              </a:ext>
+            </a:extLst>
+          </p:cNvPr>
+          <p:cNvSpPr/>
+          <p:nvPr/>
+        </p:nvSpPr>
+        <p:spPr>
+          <a:xfrm>
+            <a:off x="10278632" y="3709387"/>
+            <a:ext cx="1028257" cy="276999"/>
+          </a:xfrm>
+          <a:prstGeom prst="rect">
+            <a:avLst/>
+          </a:prstGeom>
+        </p:spPr>
+        <p:style>
+          <a:lnRef idx="2">
+            <a:schemeClr val="accent1">
+              <a:shade val="50000"/>
+            </a:schemeClr>
+          </a:lnRef>
+          <a:fillRef idx="1">
+            <a:schemeClr val="accent1"/>
+          </a:fillRef>
+          <a:effectRef idx="0">
+            <a:schemeClr val="accent1"/>
+          </a:effectRef>
+          <a:fontRef idx="minor">
+            <a:schemeClr val="lt1"/>
+          </a:fontRef>
+        </p:style>
+        <p:txBody>
+          <a:bodyPr rtlCol="1" anchor="ctr"/>
+          <a:lstStyle/>
+          <a:p>
+            <a:pPr algn="ctr"/>
+            <a:r>
+              <a:rPr lang="en-US" dirty="0"/>
+              <a:t>number</a:t>
+            </a:r>
+            <a:endParaRPr lang="he-IL" dirty="0"/>
+          </a:p>
+        </p:txBody>
+      </p:sp>
+      <p:sp>
+        <p:nvSpPr>
+          <p:cNvPr id="124" name="Rectangle 123">
+            <a:extLst>
+              <a:ext uri="{FF2B5EF4-FFF2-40B4-BE49-F238E27FC236}">
+                <a16:creationId xmlns:a16="http://schemas.microsoft.com/office/drawing/2014/main" id="{D9AF4BD4-1648-47F5-942F-315DDC4CE7FF}"/>
+              </a:ext>
+            </a:extLst>
+          </p:cNvPr>
+          <p:cNvSpPr/>
+          <p:nvPr/>
+        </p:nvSpPr>
+        <p:spPr>
+          <a:xfrm>
+            <a:off x="10309214" y="4158685"/>
+            <a:ext cx="1028257" cy="276999"/>
+          </a:xfrm>
+          <a:prstGeom prst="rect">
+            <a:avLst/>
+          </a:prstGeom>
+        </p:spPr>
+        <p:style>
+          <a:lnRef idx="2">
+            <a:schemeClr val="accent1">
+              <a:shade val="50000"/>
+            </a:schemeClr>
+          </a:lnRef>
+          <a:fillRef idx="1">
+            <a:schemeClr val="accent1"/>
+          </a:fillRef>
+          <a:effectRef idx="0">
+            <a:schemeClr val="accent1"/>
+          </a:effectRef>
+          <a:fontRef idx="minor">
+            <a:schemeClr val="lt1"/>
+          </a:fontRef>
+        </p:style>
+        <p:txBody>
+          <a:bodyPr rtlCol="1" anchor="ctr"/>
+          <a:lstStyle/>
+          <a:p>
+            <a:pPr algn="ctr"/>
+            <a:r>
+              <a:rPr lang="en-US" dirty="0"/>
+              <a:t>number</a:t>
+            </a:r>
+            <a:endParaRPr lang="he-IL" dirty="0"/>
+          </a:p>
+        </p:txBody>
+      </p:sp>
+      <p:sp>
+        <p:nvSpPr>
+          <p:cNvPr id="125" name="Flowchart: Process 124">
+            <a:extLst>
+              <a:ext uri="{FF2B5EF4-FFF2-40B4-BE49-F238E27FC236}">
+                <a16:creationId xmlns:a16="http://schemas.microsoft.com/office/drawing/2014/main" id="{1D25F648-223A-43CB-8676-B0CE0E7A71E3}"/>
+              </a:ext>
+            </a:extLst>
+          </p:cNvPr>
+          <p:cNvSpPr/>
+          <p:nvPr/>
+        </p:nvSpPr>
+        <p:spPr>
+          <a:xfrm>
+            <a:off x="3153007" y="2471277"/>
+            <a:ext cx="596846" cy="913572"/>
+          </a:xfrm>
+          <a:prstGeom prst="flowChartProcess">
+            <a:avLst/>
+          </a:prstGeom>
+        </p:spPr>
+        <p:style>
+          <a:lnRef idx="1">
+            <a:schemeClr val="accent4"/>
+          </a:lnRef>
+          <a:fillRef idx="2">
+            <a:schemeClr val="accent4"/>
+          </a:fillRef>
+          <a:effectRef idx="1">
+            <a:schemeClr val="accent4"/>
+          </a:effectRef>
+          <a:fontRef idx="minor">
             <a:schemeClr val="dk1"/>
-          </a:fillRef>
-          <a:effectRef idx="0">
+          </a:fontRef>
+        </p:style>
+        <p:txBody>
+          <a:bodyPr rtlCol="1" anchor="ctr"/>
+          <a:lstStyle/>
+          <a:p>
+            <a:pPr algn="ctr"/>
+            <a:r>
+              <a:rPr lang="en-US" sz="1400" dirty="0"/>
+              <a:t>Date</a:t>
+            </a:r>
+            <a:endParaRPr lang="he-IL" sz="1400" dirty="0"/>
+          </a:p>
+        </p:txBody>
+      </p:sp>
+      <p:sp>
+        <p:nvSpPr>
+          <p:cNvPr id="126" name="Flowchart: Process 125">
+            <a:extLst>
+              <a:ext uri="{FF2B5EF4-FFF2-40B4-BE49-F238E27FC236}">
+                <a16:creationId xmlns:a16="http://schemas.microsoft.com/office/drawing/2014/main" id="{279036FA-1788-476B-AD67-77D0E8475CC3}"/>
+              </a:ext>
+            </a:extLst>
+          </p:cNvPr>
+          <p:cNvSpPr/>
+          <p:nvPr/>
+        </p:nvSpPr>
+        <p:spPr>
+          <a:xfrm>
+            <a:off x="3093172" y="3495409"/>
+            <a:ext cx="596846" cy="913572"/>
+          </a:xfrm>
+          <a:prstGeom prst="flowChartProcess">
+            <a:avLst/>
+          </a:prstGeom>
+        </p:spPr>
+        <p:style>
+          <a:lnRef idx="1">
+            <a:schemeClr val="accent4"/>
+          </a:lnRef>
+          <a:fillRef idx="2">
+            <a:schemeClr val="accent4"/>
+          </a:fillRef>
+          <a:effectRef idx="1">
+            <a:schemeClr val="accent4"/>
+          </a:effectRef>
+          <a:fontRef idx="minor">
             <a:schemeClr val="dk1"/>
-          </a:effectRef>
-          <a:fontRef idx="minor">
-            <a:schemeClr val="lt1"/>
-          </a:fontRef>
-        </p:style>
-        <p:txBody>
-          <a:bodyPr rtlCol="1" anchor="ctr"/>
-          <a:lstStyle/>
-          <a:p>
-            <a:pPr algn="ctr"/>
-            <a:r>
-              <a:rPr lang="en-US" dirty="0"/>
-              <a:t>Calendar</a:t>
-            </a:r>
-            <a:endParaRPr lang="he-IL" dirty="0"/>
+          </a:fontRef>
+        </p:style>
+        <p:txBody>
+          <a:bodyPr rtlCol="1" anchor="ctr"/>
+          <a:lstStyle/>
+          <a:p>
+            <a:pPr algn="ctr"/>
+            <a:r>
+              <a:rPr lang="en-US" sz="1400" dirty="0"/>
+              <a:t>Date</a:t>
+            </a:r>
+            <a:endParaRPr lang="he-IL" sz="1400" dirty="0"/>
+          </a:p>
+        </p:txBody>
+      </p:sp>
+      <p:sp>
+        <p:nvSpPr>
+          <p:cNvPr id="127" name="Flowchart: Process 126">
+            <a:extLst>
+              <a:ext uri="{FF2B5EF4-FFF2-40B4-BE49-F238E27FC236}">
+                <a16:creationId xmlns:a16="http://schemas.microsoft.com/office/drawing/2014/main" id="{F2FA40D3-74B5-4FE5-8EC9-9C841C21D5AA}"/>
+              </a:ext>
+            </a:extLst>
+          </p:cNvPr>
+          <p:cNvSpPr/>
+          <p:nvPr/>
+        </p:nvSpPr>
+        <p:spPr>
+          <a:xfrm>
+            <a:off x="2950395" y="4495784"/>
+            <a:ext cx="596846" cy="913572"/>
+          </a:xfrm>
+          <a:prstGeom prst="flowChartProcess">
+            <a:avLst/>
+          </a:prstGeom>
+        </p:spPr>
+        <p:style>
+          <a:lnRef idx="1">
+            <a:schemeClr val="accent4"/>
+          </a:lnRef>
+          <a:fillRef idx="2">
+            <a:schemeClr val="accent4"/>
+          </a:fillRef>
+          <a:effectRef idx="1">
+            <a:schemeClr val="accent4"/>
+          </a:effectRef>
+          <a:fontRef idx="minor">
+            <a:schemeClr val="dk1"/>
+          </a:fontRef>
+        </p:style>
+        <p:txBody>
+          <a:bodyPr rtlCol="1" anchor="ctr"/>
+          <a:lstStyle/>
+          <a:p>
+            <a:pPr algn="ctr"/>
+            <a:r>
+              <a:rPr lang="en-US" sz="1400" dirty="0"/>
+              <a:t>Date</a:t>
+            </a:r>
+            <a:endParaRPr lang="he-IL" sz="1400" dirty="0"/>
+          </a:p>
+        </p:txBody>
+      </p:sp>
+      <p:sp>
+        <p:nvSpPr>
+          <p:cNvPr id="128" name="Flowchart: Process 127">
+            <a:extLst>
+              <a:ext uri="{FF2B5EF4-FFF2-40B4-BE49-F238E27FC236}">
+                <a16:creationId xmlns:a16="http://schemas.microsoft.com/office/drawing/2014/main" id="{017590D2-A931-4BB5-B24B-E43ECDDE960F}"/>
+              </a:ext>
+            </a:extLst>
+          </p:cNvPr>
+          <p:cNvSpPr/>
+          <p:nvPr/>
+        </p:nvSpPr>
+        <p:spPr>
+          <a:xfrm>
+            <a:off x="2950395" y="5479333"/>
+            <a:ext cx="596846" cy="913572"/>
+          </a:xfrm>
+          <a:prstGeom prst="flowChartProcess">
+            <a:avLst/>
+          </a:prstGeom>
+        </p:spPr>
+        <p:style>
+          <a:lnRef idx="1">
+            <a:schemeClr val="accent4"/>
+          </a:lnRef>
+          <a:fillRef idx="2">
+            <a:schemeClr val="accent4"/>
+          </a:fillRef>
+          <a:effectRef idx="1">
+            <a:schemeClr val="accent4"/>
+          </a:effectRef>
+          <a:fontRef idx="minor">
+            <a:schemeClr val="dk1"/>
+          </a:fontRef>
+        </p:style>
+        <p:txBody>
+          <a:bodyPr rtlCol="1" anchor="ctr"/>
+          <a:lstStyle/>
+          <a:p>
+            <a:pPr algn="ctr"/>
+            <a:r>
+              <a:rPr lang="en-US" sz="1400" dirty="0"/>
+              <a:t>Date</a:t>
+            </a:r>
+            <a:endParaRPr lang="he-IL" sz="1400" dirty="0"/>
           </a:p>
         </p:txBody>
       </p:sp>
@@ -15730,7 +16224,7 @@
         <p:spPr>
           <a:xfrm>
             <a:off x="1378754" y="2477866"/>
-            <a:ext cx="1931867" cy="913572"/>
+            <a:ext cx="1062417" cy="913572"/>
           </a:xfrm>
           <a:prstGeom prst="flowChartProcess">
             <a:avLst/>
@@ -15778,7 +16272,7 @@
         <p:spPr>
           <a:xfrm>
             <a:off x="1364996" y="3502274"/>
-            <a:ext cx="1938476" cy="890165"/>
+            <a:ext cx="1032512" cy="890165"/>
           </a:xfrm>
           <a:prstGeom prst="flowChartProcess">
             <a:avLst/>
@@ -15826,7 +16320,7 @@
         <p:spPr>
           <a:xfrm>
             <a:off x="1364995" y="4515578"/>
-            <a:ext cx="1968465" cy="913572"/>
+            <a:ext cx="1000727" cy="913572"/>
           </a:xfrm>
           <a:prstGeom prst="flowChartProcess">
             <a:avLst/>
@@ -15874,7 +16368,7 @@
         <p:spPr>
           <a:xfrm>
             <a:off x="1382505" y="5473927"/>
-            <a:ext cx="1944837" cy="913572"/>
+            <a:ext cx="1015003" cy="913572"/>
           </a:xfrm>
           <a:prstGeom prst="flowChartProcess">
             <a:avLst/>
@@ -15921,8 +16415,8 @@
         </p:nvSpPr>
         <p:spPr>
           <a:xfrm>
-            <a:off x="6621124" y="914400"/>
-            <a:ext cx="5050301" cy="5943600"/>
+            <a:off x="6191134" y="914400"/>
+            <a:ext cx="5480292" cy="5943600"/>
           </a:xfrm>
           <a:prstGeom prst="rect">
             <a:avLst/>
@@ -15967,8 +16461,8 @@
         </p:nvSpPr>
         <p:spPr>
           <a:xfrm>
-            <a:off x="6623093" y="921881"/>
-            <a:ext cx="5050301" cy="998806"/>
+            <a:off x="6210841" y="921881"/>
+            <a:ext cx="5462553" cy="998806"/>
           </a:xfrm>
           <a:prstGeom prst="rect">
             <a:avLst/>
@@ -16950,42 +17444,6 @@
           </a:fontRef>
         </p:style>
       </p:cxnSp>
-      <p:sp>
-        <p:nvSpPr>
-          <p:cNvPr id="38" name="TextBox 37">
-            <a:extLst>
-              <a:ext uri="{FF2B5EF4-FFF2-40B4-BE49-F238E27FC236}">
-                <a16:creationId xmlns:a16="http://schemas.microsoft.com/office/drawing/2014/main" id="{06B62A59-E736-4E0B-B39A-75731A956A5F}"/>
-              </a:ext>
-            </a:extLst>
-          </p:cNvPr>
-          <p:cNvSpPr txBox="1"/>
-          <p:nvPr/>
-        </p:nvSpPr>
-        <p:spPr>
-          <a:xfrm>
-            <a:off x="6687356" y="2604426"/>
-            <a:ext cx="1758461" cy="369332"/>
-          </a:xfrm>
-          <a:prstGeom prst="rect">
-            <a:avLst/>
-          </a:prstGeom>
-          <a:noFill/>
-        </p:spPr>
-        <p:txBody>
-          <a:bodyPr wrap="square" rtlCol="1">
-            <a:spAutoFit/>
-          </a:bodyPr>
-          <a:lstStyle/>
-          <a:p>
-            <a:r>
-              <a:rPr lang="en-US" dirty="0"/>
-              <a:t>Sunday:</a:t>
-            </a:r>
-            <a:endParaRPr lang="he-IL" dirty="0"/>
-          </a:p>
-        </p:txBody>
-      </p:sp>
       <p:sp>
         <p:nvSpPr>
           <p:cNvPr id="130" name="Rectangle 129">
@@ -17800,42 +18258,6 @@
       </p:sp>
       <p:sp>
         <p:nvSpPr>
-          <p:cNvPr id="119" name="TextBox 118">
-            <a:extLst>
-              <a:ext uri="{FF2B5EF4-FFF2-40B4-BE49-F238E27FC236}">
-                <a16:creationId xmlns:a16="http://schemas.microsoft.com/office/drawing/2014/main" id="{A7AB73B8-DB39-44C3-83D5-E64CEFB8275C}"/>
-              </a:ext>
-            </a:extLst>
-          </p:cNvPr>
-          <p:cNvSpPr txBox="1"/>
-          <p:nvPr/>
-        </p:nvSpPr>
-        <p:spPr>
-          <a:xfrm>
-            <a:off x="6644604" y="3278162"/>
-            <a:ext cx="1758461" cy="369332"/>
-          </a:xfrm>
-          <a:prstGeom prst="rect">
-            <a:avLst/>
-          </a:prstGeom>
-          <a:noFill/>
-        </p:spPr>
-        <p:txBody>
-          <a:bodyPr wrap="square" rtlCol="1">
-            <a:spAutoFit/>
-          </a:bodyPr>
-          <a:lstStyle/>
-          <a:p>
-            <a:r>
-              <a:rPr lang="en-US" dirty="0"/>
-              <a:t>Saturday:</a:t>
-            </a:r>
-            <a:endParaRPr lang="he-IL" dirty="0"/>
-          </a:p>
-        </p:txBody>
-      </p:sp>
-      <p:sp>
-        <p:nvSpPr>
           <p:cNvPr id="120" name="Oval 119">
             <a:extLst>
               <a:ext uri="{FF2B5EF4-FFF2-40B4-BE49-F238E27FC236}">
@@ -17970,7 +18392,7 @@
             <a:pPr algn="ctr"/>
             <a:r>
               <a:rPr lang="en-US" dirty="0"/>
-              <a:t>Create / pick from daily</a:t>
+              <a:t>Create / pick from daily/ event</a:t>
             </a:r>
             <a:endParaRPr lang="he-IL" dirty="0"/>
           </a:p>
@@ -17978,39 +18400,349 @@
       </p:sp>
       <p:sp>
         <p:nvSpPr>
-          <p:cNvPr id="105" name="Oval 104">
-            <a:extLst>
-              <a:ext uri="{FF2B5EF4-FFF2-40B4-BE49-F238E27FC236}">
-                <a16:creationId xmlns:a16="http://schemas.microsoft.com/office/drawing/2014/main" id="{9836B948-334D-4999-9B9D-F02EB87C5898}"/>
-              </a:ext>
-            </a:extLst>
-          </p:cNvPr>
-          <p:cNvSpPr/>
-          <p:nvPr/>
-        </p:nvSpPr>
-        <p:spPr>
-          <a:xfrm>
-            <a:off x="10335729" y="2047481"/>
-            <a:ext cx="1212355" cy="818274"/>
-          </a:xfrm>
-          <a:prstGeom prst="ellipse">
-            <a:avLst/>
-          </a:prstGeom>
-        </p:spPr>
-        <p:style>
-          <a:lnRef idx="2">
-            <a:schemeClr val="dk1">
-              <a:shade val="50000"/>
-            </a:schemeClr>
+          <p:cNvPr id="106" name="Flowchart: Process 105">
+            <a:extLst>
+              <a:ext uri="{FF2B5EF4-FFF2-40B4-BE49-F238E27FC236}">
+                <a16:creationId xmlns:a16="http://schemas.microsoft.com/office/drawing/2014/main" id="{422DEBD3-36BB-40C3-ABB7-9CF4EC616CCB}"/>
+              </a:ext>
+            </a:extLst>
+          </p:cNvPr>
+          <p:cNvSpPr/>
+          <p:nvPr/>
+        </p:nvSpPr>
+        <p:spPr>
+          <a:xfrm>
+            <a:off x="2397508" y="2459404"/>
+            <a:ext cx="670693" cy="913572"/>
+          </a:xfrm>
+          <a:prstGeom prst="flowChartProcess">
+            <a:avLst/>
+          </a:prstGeom>
+        </p:spPr>
+        <p:style>
+          <a:lnRef idx="3">
+            <a:schemeClr val="lt1"/>
           </a:lnRef>
           <a:fillRef idx="1">
+            <a:schemeClr val="accent6"/>
+          </a:fillRef>
+          <a:effectRef idx="1">
+            <a:schemeClr val="accent6"/>
+          </a:effectRef>
+          <a:fontRef idx="minor">
+            <a:schemeClr val="lt1"/>
+          </a:fontRef>
+        </p:style>
+        <p:txBody>
+          <a:bodyPr rtlCol="1" anchor="ctr"/>
+          <a:lstStyle/>
+          <a:p>
+            <a:pPr algn="ctr"/>
+            <a:r>
+              <a:rPr lang="en-US" sz="1400" dirty="0"/>
+              <a:t>Edit</a:t>
+            </a:r>
+            <a:endParaRPr lang="he-IL" sz="1400" dirty="0"/>
+          </a:p>
+        </p:txBody>
+      </p:sp>
+      <p:sp>
+        <p:nvSpPr>
+          <p:cNvPr id="108" name="Flowchart: Process 107">
+            <a:extLst>
+              <a:ext uri="{FF2B5EF4-FFF2-40B4-BE49-F238E27FC236}">
+                <a16:creationId xmlns:a16="http://schemas.microsoft.com/office/drawing/2014/main" id="{97D7A66E-075C-4E30-A781-20A16A71072B}"/>
+              </a:ext>
+            </a:extLst>
+          </p:cNvPr>
+          <p:cNvSpPr/>
+          <p:nvPr/>
+        </p:nvSpPr>
+        <p:spPr>
+          <a:xfrm>
+            <a:off x="2397508" y="3449627"/>
+            <a:ext cx="545511" cy="913572"/>
+          </a:xfrm>
+          <a:prstGeom prst="flowChartProcess">
+            <a:avLst/>
+          </a:prstGeom>
+        </p:spPr>
+        <p:style>
+          <a:lnRef idx="3">
+            <a:schemeClr val="lt1"/>
+          </a:lnRef>
+          <a:fillRef idx="1">
+            <a:schemeClr val="accent6"/>
+          </a:fillRef>
+          <a:effectRef idx="1">
+            <a:schemeClr val="accent6"/>
+          </a:effectRef>
+          <a:fontRef idx="minor">
+            <a:schemeClr val="lt1"/>
+          </a:fontRef>
+        </p:style>
+        <p:txBody>
+          <a:bodyPr rtlCol="1" anchor="ctr"/>
+          <a:lstStyle/>
+          <a:p>
+            <a:pPr algn="ctr"/>
+            <a:r>
+              <a:rPr lang="en-US" sz="1400" dirty="0"/>
+              <a:t>Edit</a:t>
+            </a:r>
+            <a:endParaRPr lang="he-IL" sz="1400" dirty="0"/>
+          </a:p>
+        </p:txBody>
+      </p:sp>
+      <p:sp>
+        <p:nvSpPr>
+          <p:cNvPr id="109" name="Flowchart: Process 108">
+            <a:extLst>
+              <a:ext uri="{FF2B5EF4-FFF2-40B4-BE49-F238E27FC236}">
+                <a16:creationId xmlns:a16="http://schemas.microsoft.com/office/drawing/2014/main" id="{B3B7A3EA-874D-45E5-A4EE-ACBB3E39F81F}"/>
+              </a:ext>
+            </a:extLst>
+          </p:cNvPr>
+          <p:cNvSpPr/>
+          <p:nvPr/>
+        </p:nvSpPr>
+        <p:spPr>
+          <a:xfrm>
+            <a:off x="2383458" y="4487742"/>
+            <a:ext cx="559561" cy="913572"/>
+          </a:xfrm>
+          <a:prstGeom prst="flowChartProcess">
+            <a:avLst/>
+          </a:prstGeom>
+        </p:spPr>
+        <p:style>
+          <a:lnRef idx="3">
+            <a:schemeClr val="lt1"/>
+          </a:lnRef>
+          <a:fillRef idx="1">
+            <a:schemeClr val="accent6"/>
+          </a:fillRef>
+          <a:effectRef idx="1">
+            <a:schemeClr val="accent6"/>
+          </a:effectRef>
+          <a:fontRef idx="minor">
+            <a:schemeClr val="lt1"/>
+          </a:fontRef>
+        </p:style>
+        <p:txBody>
+          <a:bodyPr rtlCol="1" anchor="ctr"/>
+          <a:lstStyle/>
+          <a:p>
+            <a:pPr algn="ctr"/>
+            <a:r>
+              <a:rPr lang="en-US" sz="1400" dirty="0"/>
+              <a:t>Edit</a:t>
+            </a:r>
+            <a:endParaRPr lang="he-IL" sz="1400" dirty="0"/>
+          </a:p>
+        </p:txBody>
+      </p:sp>
+      <p:sp>
+        <p:nvSpPr>
+          <p:cNvPr id="110" name="Flowchart: Process 109">
+            <a:extLst>
+              <a:ext uri="{FF2B5EF4-FFF2-40B4-BE49-F238E27FC236}">
+                <a16:creationId xmlns:a16="http://schemas.microsoft.com/office/drawing/2014/main" id="{3033CD49-408C-4592-8948-B3ED3F33D1C9}"/>
+              </a:ext>
+            </a:extLst>
+          </p:cNvPr>
+          <p:cNvSpPr/>
+          <p:nvPr/>
+        </p:nvSpPr>
+        <p:spPr>
+          <a:xfrm>
+            <a:off x="2397508" y="5450273"/>
+            <a:ext cx="545511" cy="913572"/>
+          </a:xfrm>
+          <a:prstGeom prst="flowChartProcess">
+            <a:avLst/>
+          </a:prstGeom>
+        </p:spPr>
+        <p:style>
+          <a:lnRef idx="3">
+            <a:schemeClr val="lt1"/>
+          </a:lnRef>
+          <a:fillRef idx="1">
+            <a:schemeClr val="accent6"/>
+          </a:fillRef>
+          <a:effectRef idx="1">
+            <a:schemeClr val="accent6"/>
+          </a:effectRef>
+          <a:fontRef idx="minor">
+            <a:schemeClr val="lt1"/>
+          </a:fontRef>
+        </p:style>
+        <p:txBody>
+          <a:bodyPr rtlCol="1" anchor="ctr"/>
+          <a:lstStyle/>
+          <a:p>
+            <a:pPr algn="ctr"/>
+            <a:r>
+              <a:rPr lang="en-US" sz="1400" dirty="0"/>
+              <a:t>Edit</a:t>
+            </a:r>
+            <a:endParaRPr lang="he-IL" sz="1400" dirty="0"/>
+          </a:p>
+        </p:txBody>
+      </p:sp>
+      <p:sp>
+        <p:nvSpPr>
+          <p:cNvPr id="112" name="TextBox 111">
+            <a:extLst>
+              <a:ext uri="{FF2B5EF4-FFF2-40B4-BE49-F238E27FC236}">
+                <a16:creationId xmlns:a16="http://schemas.microsoft.com/office/drawing/2014/main" id="{4B88C336-3514-4566-82E3-69F6A2FEF80E}"/>
+              </a:ext>
+            </a:extLst>
+          </p:cNvPr>
+          <p:cNvSpPr txBox="1"/>
+          <p:nvPr/>
+        </p:nvSpPr>
+        <p:spPr>
+          <a:xfrm>
+            <a:off x="6572854" y="2616692"/>
+            <a:ext cx="981511" cy="369332"/>
+          </a:xfrm>
+          <a:prstGeom prst="rect">
+            <a:avLst/>
+          </a:prstGeom>
+          <a:noFill/>
+        </p:spPr>
+        <p:txBody>
+          <a:bodyPr wrap="square" rtlCol="1">
+            <a:spAutoFit/>
+          </a:bodyPr>
+          <a:lstStyle/>
+          <a:p>
+            <a:r>
+              <a:rPr lang="en-US" sz="1800" dirty="0"/>
+              <a:t>Sunday</a:t>
+            </a:r>
+            <a:endParaRPr lang="he-IL" dirty="0"/>
+          </a:p>
+        </p:txBody>
+      </p:sp>
+      <p:sp>
+        <p:nvSpPr>
+          <p:cNvPr id="117" name="TextBox 116">
+            <a:extLst>
+              <a:ext uri="{FF2B5EF4-FFF2-40B4-BE49-F238E27FC236}">
+                <a16:creationId xmlns:a16="http://schemas.microsoft.com/office/drawing/2014/main" id="{2C7547B3-F25E-4F3F-80AE-BF13E26840EF}"/>
+              </a:ext>
+            </a:extLst>
+          </p:cNvPr>
+          <p:cNvSpPr txBox="1"/>
+          <p:nvPr/>
+        </p:nvSpPr>
+        <p:spPr>
+          <a:xfrm>
+            <a:off x="6415297" y="3361372"/>
+            <a:ext cx="1203281" cy="369332"/>
+          </a:xfrm>
+          <a:prstGeom prst="rect">
+            <a:avLst/>
+          </a:prstGeom>
+          <a:noFill/>
+        </p:spPr>
+        <p:txBody>
+          <a:bodyPr wrap="square" rtlCol="1">
+            <a:spAutoFit/>
+          </a:bodyPr>
+          <a:lstStyle/>
+          <a:p>
+            <a:r>
+              <a:rPr lang="en-US" sz="1800" dirty="0"/>
+              <a:t>Saturday</a:t>
+            </a:r>
+            <a:endParaRPr lang="he-IL" dirty="0"/>
+          </a:p>
+        </p:txBody>
+      </p:sp>
+      <p:sp>
+        <p:nvSpPr>
+          <p:cNvPr id="123" name="Flowchart: Process 122">
+            <a:extLst>
+              <a:ext uri="{FF2B5EF4-FFF2-40B4-BE49-F238E27FC236}">
+                <a16:creationId xmlns:a16="http://schemas.microsoft.com/office/drawing/2014/main" id="{F3A52C22-F0B9-43B7-871D-48571E6CF948}"/>
+              </a:ext>
+            </a:extLst>
+          </p:cNvPr>
+          <p:cNvSpPr/>
+          <p:nvPr/>
+        </p:nvSpPr>
+        <p:spPr>
+          <a:xfrm>
+            <a:off x="2943019" y="2471277"/>
+            <a:ext cx="596846" cy="913572"/>
+          </a:xfrm>
+          <a:prstGeom prst="flowChartProcess">
+            <a:avLst/>
+          </a:prstGeom>
+        </p:spPr>
+        <p:style>
+          <a:lnRef idx="1">
+            <a:schemeClr val="accent4"/>
+          </a:lnRef>
+          <a:fillRef idx="2">
+            <a:schemeClr val="accent4"/>
+          </a:fillRef>
+          <a:effectRef idx="1">
+            <a:schemeClr val="accent4"/>
+          </a:effectRef>
+          <a:fontRef idx="minor">
             <a:schemeClr val="dk1"/>
-          </a:fillRef>
-          <a:effectRef idx="0">
+          </a:fontRef>
+        </p:style>
+        <p:txBody>
+          <a:bodyPr rtlCol="1" anchor="ctr"/>
+          <a:lstStyle/>
+          <a:p>
+            <a:pPr algn="ctr"/>
+            <a:r>
+              <a:rPr lang="en-US" sz="1400" dirty="0"/>
+              <a:t>Date</a:t>
+            </a:r>
+            <a:endParaRPr lang="he-IL" sz="1400" dirty="0"/>
+          </a:p>
+        </p:txBody>
+      </p:sp>
+      <p:sp>
+        <p:nvSpPr>
+          <p:cNvPr id="124" name="Flowchart: Process 123">
+            <a:extLst>
+              <a:ext uri="{FF2B5EF4-FFF2-40B4-BE49-F238E27FC236}">
+                <a16:creationId xmlns:a16="http://schemas.microsoft.com/office/drawing/2014/main" id="{F0C2BEE1-BDB5-4E8E-A250-028B226EE0A2}"/>
+              </a:ext>
+            </a:extLst>
+          </p:cNvPr>
+          <p:cNvSpPr/>
+          <p:nvPr/>
+        </p:nvSpPr>
+        <p:spPr>
+          <a:xfrm>
+            <a:off x="2859958" y="3456213"/>
+            <a:ext cx="596846" cy="913572"/>
+          </a:xfrm>
+          <a:prstGeom prst="flowChartProcess">
+            <a:avLst/>
+          </a:prstGeom>
+        </p:spPr>
+        <p:style>
+          <a:lnRef idx="1">
+            <a:schemeClr val="accent4"/>
+          </a:lnRef>
+          <a:fillRef idx="2">
+            <a:schemeClr val="accent4"/>
+          </a:fillRef>
+          <a:effectRef idx="1">
+            <a:schemeClr val="accent4"/>
+          </a:effectRef>
+          <a:fontRef idx="minor">
             <a:schemeClr val="dk1"/>
-          </a:effectRef>
-          <a:fontRef idx="minor">
-            <a:schemeClr val="lt1"/>
           </a:fontRef>
         </p:style>
         <p:txBody>
@@ -18020,7 +18752,103 @@
             <a:pPr algn="ctr"/>
             <a:r>
               <a:rPr lang="en-US" sz="1400" dirty="0"/>
-              <a:t>Calendar</a:t>
+              <a:t>Date</a:t>
+            </a:r>
+            <a:endParaRPr lang="he-IL" sz="1400" dirty="0"/>
+          </a:p>
+        </p:txBody>
+      </p:sp>
+      <p:sp>
+        <p:nvSpPr>
+          <p:cNvPr id="125" name="Flowchart: Process 124">
+            <a:extLst>
+              <a:ext uri="{FF2B5EF4-FFF2-40B4-BE49-F238E27FC236}">
+                <a16:creationId xmlns:a16="http://schemas.microsoft.com/office/drawing/2014/main" id="{62F1A255-2093-446F-AC50-F13C4CC94064}"/>
+              </a:ext>
+            </a:extLst>
+          </p:cNvPr>
+          <p:cNvSpPr/>
+          <p:nvPr/>
+        </p:nvSpPr>
+        <p:spPr>
+          <a:xfrm>
+            <a:off x="2840983" y="4496718"/>
+            <a:ext cx="596846" cy="913572"/>
+          </a:xfrm>
+          <a:prstGeom prst="flowChartProcess">
+            <a:avLst/>
+          </a:prstGeom>
+        </p:spPr>
+        <p:style>
+          <a:lnRef idx="1">
+            <a:schemeClr val="accent4"/>
+          </a:lnRef>
+          <a:fillRef idx="2">
+            <a:schemeClr val="accent4"/>
+          </a:fillRef>
+          <a:effectRef idx="1">
+            <a:schemeClr val="accent4"/>
+          </a:effectRef>
+          <a:fontRef idx="minor">
+            <a:schemeClr val="dk1"/>
+          </a:fontRef>
+        </p:style>
+        <p:txBody>
+          <a:bodyPr rtlCol="1" anchor="ctr"/>
+          <a:lstStyle/>
+          <a:p>
+            <a:pPr algn="ctr"/>
+            <a:r>
+              <a:rPr lang="en-US" sz="1400" dirty="0"/>
+              <a:t>Date</a:t>
+            </a:r>
+            <a:endParaRPr lang="he-IL" sz="1400" dirty="0"/>
+          </a:p>
+        </p:txBody>
+      </p:sp>
+      <p:sp>
+        <p:nvSpPr>
+          <p:cNvPr id="126" name="Flowchart: Process 125">
+            <a:extLst>
+              <a:ext uri="{FF2B5EF4-FFF2-40B4-BE49-F238E27FC236}">
+                <a16:creationId xmlns:a16="http://schemas.microsoft.com/office/drawing/2014/main" id="{7008E163-6F43-4310-A6B0-77A85F59FBDC}"/>
+              </a:ext>
+            </a:extLst>
+          </p:cNvPr>
+          <p:cNvSpPr/>
+          <p:nvPr/>
+        </p:nvSpPr>
+        <p:spPr>
+          <a:xfrm>
+            <a:off x="2826913" y="5452773"/>
+            <a:ext cx="596846" cy="913572"/>
+          </a:xfrm>
+          <a:prstGeom prst="flowChartProcess">
+            <a:avLst/>
+          </a:prstGeom>
+        </p:spPr>
+        <p:style>
+          <a:lnRef idx="1">
+            <a:schemeClr val="accent4"/>
+          </a:lnRef>
+          <a:fillRef idx="2">
+            <a:schemeClr val="accent4"/>
+          </a:fillRef>
+          <a:effectRef idx="1">
+            <a:schemeClr val="accent4"/>
+          </a:effectRef>
+          <a:fontRef idx="minor">
+            <a:schemeClr val="dk1"/>
+          </a:fontRef>
+        </p:style>
+        <p:txBody>
+          <a:bodyPr rtlCol="1" anchor="ctr"/>
+          <a:lstStyle/>
+          <a:p>
+            <a:pPr algn="ctr"/>
+            <a:r>
+              <a:rPr lang="en-US" sz="1400" dirty="0"/>
+              <a:t>Date</a:t>
             </a:r>
             <a:endParaRPr lang="he-IL" sz="1400" dirty="0"/>
           </a:p>
@@ -19730,7 +20558,7 @@
         <p:spPr>
           <a:xfrm>
             <a:off x="1378754" y="2477866"/>
-            <a:ext cx="1931867" cy="913572"/>
+            <a:ext cx="1043003" cy="913572"/>
           </a:xfrm>
           <a:prstGeom prst="flowChartProcess">
             <a:avLst/>
@@ -19778,7 +20606,7 @@
         <p:spPr>
           <a:xfrm>
             <a:off x="1364996" y="3502274"/>
-            <a:ext cx="1938476" cy="890165"/>
+            <a:ext cx="1076175" cy="890165"/>
           </a:xfrm>
           <a:prstGeom prst="flowChartProcess">
             <a:avLst/>
@@ -19825,8 +20653,8 @@
         </p:nvSpPr>
         <p:spPr>
           <a:xfrm>
-            <a:off x="1364995" y="4515578"/>
-            <a:ext cx="1968465" cy="913572"/>
+            <a:off x="1364996" y="4515578"/>
+            <a:ext cx="1111038" cy="913572"/>
           </a:xfrm>
           <a:prstGeom prst="flowChartProcess">
             <a:avLst/>
@@ -19874,7 +20702,7 @@
         <p:spPr>
           <a:xfrm>
             <a:off x="1382505" y="5473927"/>
-            <a:ext cx="1944837" cy="913572"/>
+            <a:ext cx="1044907" cy="913572"/>
           </a:xfrm>
           <a:prstGeom prst="flowChartProcess">
             <a:avLst/>
@@ -21979,39 +22807,277 @@
       </p:sp>
       <p:sp>
         <p:nvSpPr>
-          <p:cNvPr id="105" name="Oval 104">
-            <a:extLst>
-              <a:ext uri="{FF2B5EF4-FFF2-40B4-BE49-F238E27FC236}">
-                <a16:creationId xmlns:a16="http://schemas.microsoft.com/office/drawing/2014/main" id="{6AF6AD5E-14BF-409E-BBB6-28F39476B06C}"/>
-              </a:ext>
-            </a:extLst>
-          </p:cNvPr>
-          <p:cNvSpPr/>
-          <p:nvPr/>
-        </p:nvSpPr>
-        <p:spPr>
-          <a:xfrm>
-            <a:off x="10237394" y="3065258"/>
-            <a:ext cx="1212355" cy="818274"/>
-          </a:xfrm>
-          <a:prstGeom prst="ellipse">
-            <a:avLst/>
-          </a:prstGeom>
-        </p:spPr>
-        <p:style>
-          <a:lnRef idx="2">
-            <a:schemeClr val="dk1">
-              <a:shade val="50000"/>
-            </a:schemeClr>
+          <p:cNvPr id="106" name="Flowchart: Process 105">
+            <a:extLst>
+              <a:ext uri="{FF2B5EF4-FFF2-40B4-BE49-F238E27FC236}">
+                <a16:creationId xmlns:a16="http://schemas.microsoft.com/office/drawing/2014/main" id="{678D1C76-4C81-4594-AB7E-DAADF259A996}"/>
+              </a:ext>
+            </a:extLst>
+          </p:cNvPr>
+          <p:cNvSpPr/>
+          <p:nvPr/>
+        </p:nvSpPr>
+        <p:spPr>
+          <a:xfrm>
+            <a:off x="2416014" y="2443280"/>
+            <a:ext cx="525619" cy="913572"/>
+          </a:xfrm>
+          <a:prstGeom prst="flowChartProcess">
+            <a:avLst/>
+          </a:prstGeom>
+        </p:spPr>
+        <p:style>
+          <a:lnRef idx="3">
+            <a:schemeClr val="lt1"/>
           </a:lnRef>
           <a:fillRef idx="1">
+            <a:schemeClr val="accent6"/>
+          </a:fillRef>
+          <a:effectRef idx="1">
+            <a:schemeClr val="accent6"/>
+          </a:effectRef>
+          <a:fontRef idx="minor">
+            <a:schemeClr val="lt1"/>
+          </a:fontRef>
+        </p:style>
+        <p:txBody>
+          <a:bodyPr rtlCol="1" anchor="ctr"/>
+          <a:lstStyle/>
+          <a:p>
+            <a:pPr algn="ctr"/>
+            <a:r>
+              <a:rPr lang="en-US" sz="1400" dirty="0"/>
+              <a:t>Edit</a:t>
+            </a:r>
+            <a:endParaRPr lang="he-IL" sz="1400" dirty="0"/>
+          </a:p>
+        </p:txBody>
+      </p:sp>
+      <p:sp>
+        <p:nvSpPr>
+          <p:cNvPr id="108" name="Flowchart: Process 107">
+            <a:extLst>
+              <a:ext uri="{FF2B5EF4-FFF2-40B4-BE49-F238E27FC236}">
+                <a16:creationId xmlns:a16="http://schemas.microsoft.com/office/drawing/2014/main" id="{59EE8126-CC4A-4A0C-A7EF-ECDBC73F55C3}"/>
+              </a:ext>
+            </a:extLst>
+          </p:cNvPr>
+          <p:cNvSpPr/>
+          <p:nvPr/>
+        </p:nvSpPr>
+        <p:spPr>
+          <a:xfrm>
+            <a:off x="2416014" y="3480322"/>
+            <a:ext cx="469620" cy="913572"/>
+          </a:xfrm>
+          <a:prstGeom prst="flowChartProcess">
+            <a:avLst/>
+          </a:prstGeom>
+        </p:spPr>
+        <p:style>
+          <a:lnRef idx="3">
+            <a:schemeClr val="lt1"/>
+          </a:lnRef>
+          <a:fillRef idx="1">
+            <a:schemeClr val="accent6"/>
+          </a:fillRef>
+          <a:effectRef idx="1">
+            <a:schemeClr val="accent6"/>
+          </a:effectRef>
+          <a:fontRef idx="minor">
+            <a:schemeClr val="lt1"/>
+          </a:fontRef>
+        </p:style>
+        <p:txBody>
+          <a:bodyPr rtlCol="1" anchor="ctr"/>
+          <a:lstStyle/>
+          <a:p>
+            <a:pPr algn="ctr"/>
+            <a:r>
+              <a:rPr lang="en-US" sz="1400" dirty="0"/>
+              <a:t>Edit</a:t>
+            </a:r>
+            <a:endParaRPr lang="he-IL" sz="1400" dirty="0"/>
+          </a:p>
+        </p:txBody>
+      </p:sp>
+      <p:sp>
+        <p:nvSpPr>
+          <p:cNvPr id="109" name="Flowchart: Process 108">
+            <a:extLst>
+              <a:ext uri="{FF2B5EF4-FFF2-40B4-BE49-F238E27FC236}">
+                <a16:creationId xmlns:a16="http://schemas.microsoft.com/office/drawing/2014/main" id="{A02BD1C4-1789-4D03-98BD-8942786F7C95}"/>
+              </a:ext>
+            </a:extLst>
+          </p:cNvPr>
+          <p:cNvSpPr/>
+          <p:nvPr/>
+        </p:nvSpPr>
+        <p:spPr>
+          <a:xfrm>
+            <a:off x="2400639" y="4487812"/>
+            <a:ext cx="484995" cy="913572"/>
+          </a:xfrm>
+          <a:prstGeom prst="flowChartProcess">
+            <a:avLst/>
+          </a:prstGeom>
+        </p:spPr>
+        <p:style>
+          <a:lnRef idx="3">
+            <a:schemeClr val="lt1"/>
+          </a:lnRef>
+          <a:fillRef idx="1">
+            <a:schemeClr val="accent6"/>
+          </a:fillRef>
+          <a:effectRef idx="1">
+            <a:schemeClr val="accent6"/>
+          </a:effectRef>
+          <a:fontRef idx="minor">
+            <a:schemeClr val="lt1"/>
+          </a:fontRef>
+        </p:style>
+        <p:txBody>
+          <a:bodyPr rtlCol="1" anchor="ctr"/>
+          <a:lstStyle/>
+          <a:p>
+            <a:pPr algn="ctr"/>
+            <a:r>
+              <a:rPr lang="en-US" sz="1400" dirty="0"/>
+              <a:t>Edit</a:t>
+            </a:r>
+            <a:endParaRPr lang="he-IL" sz="1400" dirty="0"/>
+          </a:p>
+        </p:txBody>
+      </p:sp>
+      <p:sp>
+        <p:nvSpPr>
+          <p:cNvPr id="110" name="Flowchart: Process 109">
+            <a:extLst>
+              <a:ext uri="{FF2B5EF4-FFF2-40B4-BE49-F238E27FC236}">
+                <a16:creationId xmlns:a16="http://schemas.microsoft.com/office/drawing/2014/main" id="{8781D021-CD38-4E6C-ACA2-983CB64E8810}"/>
+              </a:ext>
+            </a:extLst>
+          </p:cNvPr>
+          <p:cNvSpPr/>
+          <p:nvPr/>
+        </p:nvSpPr>
+        <p:spPr>
+          <a:xfrm>
+            <a:off x="2429381" y="5495912"/>
+            <a:ext cx="512252" cy="913572"/>
+          </a:xfrm>
+          <a:prstGeom prst="flowChartProcess">
+            <a:avLst/>
+          </a:prstGeom>
+        </p:spPr>
+        <p:style>
+          <a:lnRef idx="3">
+            <a:schemeClr val="lt1"/>
+          </a:lnRef>
+          <a:fillRef idx="1">
+            <a:schemeClr val="accent6"/>
+          </a:fillRef>
+          <a:effectRef idx="1">
+            <a:schemeClr val="accent6"/>
+          </a:effectRef>
+          <a:fontRef idx="minor">
+            <a:schemeClr val="lt1"/>
+          </a:fontRef>
+        </p:style>
+        <p:txBody>
+          <a:bodyPr rtlCol="1" anchor="ctr"/>
+          <a:lstStyle/>
+          <a:p>
+            <a:pPr algn="ctr"/>
+            <a:r>
+              <a:rPr lang="en-US" sz="1400" dirty="0"/>
+              <a:t>Edit</a:t>
+            </a:r>
+            <a:endParaRPr lang="he-IL" sz="1400" dirty="0"/>
+          </a:p>
+        </p:txBody>
+      </p:sp>
+      <p:sp>
+        <p:nvSpPr>
+          <p:cNvPr id="111" name="Flowchart: Process 110">
+            <a:extLst>
+              <a:ext uri="{FF2B5EF4-FFF2-40B4-BE49-F238E27FC236}">
+                <a16:creationId xmlns:a16="http://schemas.microsoft.com/office/drawing/2014/main" id="{F3A3DACE-7B02-4B0B-ADCB-DB4021E86239}"/>
+              </a:ext>
+            </a:extLst>
+          </p:cNvPr>
+          <p:cNvSpPr/>
+          <p:nvPr/>
+        </p:nvSpPr>
+        <p:spPr>
+          <a:xfrm>
+            <a:off x="2885634" y="2443280"/>
+            <a:ext cx="596846" cy="913572"/>
+          </a:xfrm>
+          <a:prstGeom prst="flowChartProcess">
+            <a:avLst/>
+          </a:prstGeom>
+        </p:spPr>
+        <p:style>
+          <a:lnRef idx="1">
+            <a:schemeClr val="accent4"/>
+          </a:lnRef>
+          <a:fillRef idx="2">
+            <a:schemeClr val="accent4"/>
+          </a:fillRef>
+          <a:effectRef idx="1">
+            <a:schemeClr val="accent4"/>
+          </a:effectRef>
+          <a:fontRef idx="minor">
             <a:schemeClr val="dk1"/>
-          </a:fillRef>
-          <a:effectRef idx="0">
+          </a:fontRef>
+        </p:style>
+        <p:txBody>
+          <a:bodyPr rtlCol="1" anchor="ctr"/>
+          <a:lstStyle/>
+          <a:p>
+            <a:pPr algn="ctr"/>
+            <a:r>
+              <a:rPr lang="en-US" sz="1400" dirty="0"/>
+              <a:t>Date</a:t>
+            </a:r>
+            <a:endParaRPr lang="he-IL" sz="1400" dirty="0"/>
+          </a:p>
+        </p:txBody>
+      </p:sp>
+      <p:sp>
+        <p:nvSpPr>
+          <p:cNvPr id="112" name="Flowchart: Process 111">
+            <a:extLst>
+              <a:ext uri="{FF2B5EF4-FFF2-40B4-BE49-F238E27FC236}">
+                <a16:creationId xmlns:a16="http://schemas.microsoft.com/office/drawing/2014/main" id="{B9B9D3E7-11EE-40E9-9F98-EFB8958FB380}"/>
+              </a:ext>
+            </a:extLst>
+          </p:cNvPr>
+          <p:cNvSpPr/>
+          <p:nvPr/>
+        </p:nvSpPr>
+        <p:spPr>
+          <a:xfrm>
+            <a:off x="2828046" y="3469150"/>
+            <a:ext cx="596846" cy="913572"/>
+          </a:xfrm>
+          <a:prstGeom prst="flowChartProcess">
+            <a:avLst/>
+          </a:prstGeom>
+        </p:spPr>
+        <p:style>
+          <a:lnRef idx="1">
+            <a:schemeClr val="accent4"/>
+          </a:lnRef>
+          <a:fillRef idx="2">
+            <a:schemeClr val="accent4"/>
+          </a:fillRef>
+          <a:effectRef idx="1">
+            <a:schemeClr val="accent4"/>
+          </a:effectRef>
+          <a:fontRef idx="minor">
             <a:schemeClr val="dk1"/>
-          </a:effectRef>
-          <a:fontRef idx="minor">
-            <a:schemeClr val="lt1"/>
           </a:fontRef>
         </p:style>
         <p:txBody>
@@ -22021,7 +23087,103 @@
             <a:pPr algn="ctr"/>
             <a:r>
               <a:rPr lang="en-US" sz="1400" dirty="0"/>
-              <a:t>Calendar</a:t>
+              <a:t>Date</a:t>
+            </a:r>
+            <a:endParaRPr lang="he-IL" sz="1400" dirty="0"/>
+          </a:p>
+        </p:txBody>
+      </p:sp>
+      <p:sp>
+        <p:nvSpPr>
+          <p:cNvPr id="117" name="Flowchart: Process 116">
+            <a:extLst>
+              <a:ext uri="{FF2B5EF4-FFF2-40B4-BE49-F238E27FC236}">
+                <a16:creationId xmlns:a16="http://schemas.microsoft.com/office/drawing/2014/main" id="{EBD0A3F9-C065-486D-9FBB-7DB3F3116FF1}"/>
+              </a:ext>
+            </a:extLst>
+          </p:cNvPr>
+          <p:cNvSpPr/>
+          <p:nvPr/>
+        </p:nvSpPr>
+        <p:spPr>
+          <a:xfrm>
+            <a:off x="2860622" y="4440044"/>
+            <a:ext cx="596846" cy="987219"/>
+          </a:xfrm>
+          <a:prstGeom prst="flowChartProcess">
+            <a:avLst/>
+          </a:prstGeom>
+        </p:spPr>
+        <p:style>
+          <a:lnRef idx="1">
+            <a:schemeClr val="accent4"/>
+          </a:lnRef>
+          <a:fillRef idx="2">
+            <a:schemeClr val="accent4"/>
+          </a:fillRef>
+          <a:effectRef idx="1">
+            <a:schemeClr val="accent4"/>
+          </a:effectRef>
+          <a:fontRef idx="minor">
+            <a:schemeClr val="dk1"/>
+          </a:fontRef>
+        </p:style>
+        <p:txBody>
+          <a:bodyPr rtlCol="1" anchor="ctr"/>
+          <a:lstStyle/>
+          <a:p>
+            <a:pPr algn="ctr"/>
+            <a:r>
+              <a:rPr lang="en-US" sz="1400" dirty="0"/>
+              <a:t>Date</a:t>
+            </a:r>
+            <a:endParaRPr lang="he-IL" sz="1400" dirty="0"/>
+          </a:p>
+        </p:txBody>
+      </p:sp>
+      <p:sp>
+        <p:nvSpPr>
+          <p:cNvPr id="123" name="Flowchart: Process 122">
+            <a:extLst>
+              <a:ext uri="{FF2B5EF4-FFF2-40B4-BE49-F238E27FC236}">
+                <a16:creationId xmlns:a16="http://schemas.microsoft.com/office/drawing/2014/main" id="{8F6F8FBB-92E0-4F2E-8EDC-86EA6EDE0434}"/>
+              </a:ext>
+            </a:extLst>
+          </p:cNvPr>
+          <p:cNvSpPr/>
+          <p:nvPr/>
+        </p:nvSpPr>
+        <p:spPr>
+          <a:xfrm>
+            <a:off x="2921228" y="5482351"/>
+            <a:ext cx="596846" cy="913572"/>
+          </a:xfrm>
+          <a:prstGeom prst="flowChartProcess">
+            <a:avLst/>
+          </a:prstGeom>
+        </p:spPr>
+        <p:style>
+          <a:lnRef idx="1">
+            <a:schemeClr val="accent4"/>
+          </a:lnRef>
+          <a:fillRef idx="2">
+            <a:schemeClr val="accent4"/>
+          </a:fillRef>
+          <a:effectRef idx="1">
+            <a:schemeClr val="accent4"/>
+          </a:effectRef>
+          <a:fontRef idx="minor">
+            <a:schemeClr val="dk1"/>
+          </a:fontRef>
+        </p:style>
+        <p:txBody>
+          <a:bodyPr rtlCol="1" anchor="ctr"/>
+          <a:lstStyle/>
+          <a:p>
+            <a:pPr algn="ctr"/>
+            <a:r>
+              <a:rPr lang="en-US" sz="1400" dirty="0"/>
+              <a:t>Date</a:t>
             </a:r>
             <a:endParaRPr lang="he-IL" sz="1400" dirty="0"/>
           </a:p>
@@ -23739,7 +24901,7 @@
         <p:spPr>
           <a:xfrm>
             <a:off x="1378754" y="2477866"/>
-            <a:ext cx="1931867" cy="913572"/>
+            <a:ext cx="1062417" cy="913572"/>
           </a:xfrm>
           <a:prstGeom prst="flowChartProcess">
             <a:avLst/>
@@ -23787,7 +24949,7 @@
         <p:spPr>
           <a:xfrm>
             <a:off x="1364996" y="3502274"/>
-            <a:ext cx="1938476" cy="890165"/>
+            <a:ext cx="1076175" cy="890165"/>
           </a:xfrm>
           <a:prstGeom prst="flowChartProcess">
             <a:avLst/>
@@ -23834,8 +24996,8 @@
         </p:nvSpPr>
         <p:spPr>
           <a:xfrm>
-            <a:off x="1364995" y="4515578"/>
-            <a:ext cx="1968465" cy="913572"/>
+            <a:off x="1364996" y="4515578"/>
+            <a:ext cx="1111038" cy="913572"/>
           </a:xfrm>
           <a:prstGeom prst="flowChartProcess">
             <a:avLst/>
@@ -23883,7 +25045,7 @@
         <p:spPr>
           <a:xfrm>
             <a:off x="1382505" y="5473927"/>
-            <a:ext cx="1944837" cy="913572"/>
+            <a:ext cx="1111038" cy="913572"/>
           </a:xfrm>
           <a:prstGeom prst="flowChartProcess">
             <a:avLst/>
@@ -25988,39 +27150,277 @@
       </p:sp>
       <p:sp>
         <p:nvSpPr>
-          <p:cNvPr id="105" name="Oval 104">
-            <a:extLst>
-              <a:ext uri="{FF2B5EF4-FFF2-40B4-BE49-F238E27FC236}">
-                <a16:creationId xmlns:a16="http://schemas.microsoft.com/office/drawing/2014/main" id="{92313C36-9B42-49C2-ADF9-E2B3463A748C}"/>
-              </a:ext>
-            </a:extLst>
-          </p:cNvPr>
-          <p:cNvSpPr/>
-          <p:nvPr/>
-        </p:nvSpPr>
-        <p:spPr>
-          <a:xfrm>
-            <a:off x="10332425" y="3035919"/>
-            <a:ext cx="1212355" cy="818274"/>
-          </a:xfrm>
-          <a:prstGeom prst="ellipse">
-            <a:avLst/>
-          </a:prstGeom>
-        </p:spPr>
-        <p:style>
-          <a:lnRef idx="2">
-            <a:schemeClr val="dk1">
-              <a:shade val="50000"/>
-            </a:schemeClr>
+          <p:cNvPr id="106" name="Flowchart: Process 105">
+            <a:extLst>
+              <a:ext uri="{FF2B5EF4-FFF2-40B4-BE49-F238E27FC236}">
+                <a16:creationId xmlns:a16="http://schemas.microsoft.com/office/drawing/2014/main" id="{0FF7F96A-38D6-4F5C-93C9-72CBB5CCD613}"/>
+              </a:ext>
+            </a:extLst>
+          </p:cNvPr>
+          <p:cNvSpPr/>
+          <p:nvPr/>
+        </p:nvSpPr>
+        <p:spPr>
+          <a:xfrm>
+            <a:off x="2459917" y="2457588"/>
+            <a:ext cx="564399" cy="913572"/>
+          </a:xfrm>
+          <a:prstGeom prst="flowChartProcess">
+            <a:avLst/>
+          </a:prstGeom>
+        </p:spPr>
+        <p:style>
+          <a:lnRef idx="3">
+            <a:schemeClr val="lt1"/>
           </a:lnRef>
           <a:fillRef idx="1">
+            <a:schemeClr val="accent6"/>
+          </a:fillRef>
+          <a:effectRef idx="1">
+            <a:schemeClr val="accent6"/>
+          </a:effectRef>
+          <a:fontRef idx="minor">
+            <a:schemeClr val="lt1"/>
+          </a:fontRef>
+        </p:style>
+        <p:txBody>
+          <a:bodyPr rtlCol="1" anchor="ctr"/>
+          <a:lstStyle/>
+          <a:p>
+            <a:pPr algn="ctr"/>
+            <a:r>
+              <a:rPr lang="en-US" sz="1400" dirty="0"/>
+              <a:t>Edit</a:t>
+            </a:r>
+            <a:endParaRPr lang="he-IL" sz="1400" dirty="0"/>
+          </a:p>
+        </p:txBody>
+      </p:sp>
+      <p:sp>
+        <p:nvSpPr>
+          <p:cNvPr id="108" name="Flowchart: Process 107">
+            <a:extLst>
+              <a:ext uri="{FF2B5EF4-FFF2-40B4-BE49-F238E27FC236}">
+                <a16:creationId xmlns:a16="http://schemas.microsoft.com/office/drawing/2014/main" id="{A3DF9F5D-4E90-4D42-BCBD-240BDF4422DC}"/>
+              </a:ext>
+            </a:extLst>
+          </p:cNvPr>
+          <p:cNvSpPr/>
+          <p:nvPr/>
+        </p:nvSpPr>
+        <p:spPr>
+          <a:xfrm>
+            <a:off x="2411770" y="3493426"/>
+            <a:ext cx="581139" cy="913572"/>
+          </a:xfrm>
+          <a:prstGeom prst="flowChartProcess">
+            <a:avLst/>
+          </a:prstGeom>
+        </p:spPr>
+        <p:style>
+          <a:lnRef idx="3">
+            <a:schemeClr val="lt1"/>
+          </a:lnRef>
+          <a:fillRef idx="1">
+            <a:schemeClr val="accent6"/>
+          </a:fillRef>
+          <a:effectRef idx="1">
+            <a:schemeClr val="accent6"/>
+          </a:effectRef>
+          <a:fontRef idx="minor">
+            <a:schemeClr val="lt1"/>
+          </a:fontRef>
+        </p:style>
+        <p:txBody>
+          <a:bodyPr rtlCol="1" anchor="ctr"/>
+          <a:lstStyle/>
+          <a:p>
+            <a:pPr algn="ctr"/>
+            <a:r>
+              <a:rPr lang="en-US" sz="1400" dirty="0"/>
+              <a:t>Edit</a:t>
+            </a:r>
+            <a:endParaRPr lang="he-IL" sz="1400" dirty="0"/>
+          </a:p>
+        </p:txBody>
+      </p:sp>
+      <p:sp>
+        <p:nvSpPr>
+          <p:cNvPr id="109" name="Flowchart: Process 108">
+            <a:extLst>
+              <a:ext uri="{FF2B5EF4-FFF2-40B4-BE49-F238E27FC236}">
+                <a16:creationId xmlns:a16="http://schemas.microsoft.com/office/drawing/2014/main" id="{1ACEB4AA-65AE-4D5A-A9B5-CCFDEDD89805}"/>
+              </a:ext>
+            </a:extLst>
+          </p:cNvPr>
+          <p:cNvSpPr/>
+          <p:nvPr/>
+        </p:nvSpPr>
+        <p:spPr>
+          <a:xfrm>
+            <a:off x="2426825" y="4485324"/>
+            <a:ext cx="907768" cy="913572"/>
+          </a:xfrm>
+          <a:prstGeom prst="flowChartProcess">
+            <a:avLst/>
+          </a:prstGeom>
+        </p:spPr>
+        <p:style>
+          <a:lnRef idx="3">
+            <a:schemeClr val="lt1"/>
+          </a:lnRef>
+          <a:fillRef idx="1">
+            <a:schemeClr val="accent6"/>
+          </a:fillRef>
+          <a:effectRef idx="1">
+            <a:schemeClr val="accent6"/>
+          </a:effectRef>
+          <a:fontRef idx="minor">
+            <a:schemeClr val="lt1"/>
+          </a:fontRef>
+        </p:style>
+        <p:txBody>
+          <a:bodyPr rtlCol="1" anchor="ctr"/>
+          <a:lstStyle/>
+          <a:p>
+            <a:pPr algn="ctr"/>
+            <a:r>
+              <a:rPr lang="en-US" sz="1400" dirty="0"/>
+              <a:t>Edit</a:t>
+            </a:r>
+            <a:endParaRPr lang="he-IL" sz="1400" dirty="0"/>
+          </a:p>
+        </p:txBody>
+      </p:sp>
+      <p:sp>
+        <p:nvSpPr>
+          <p:cNvPr id="110" name="Flowchart: Process 109">
+            <a:extLst>
+              <a:ext uri="{FF2B5EF4-FFF2-40B4-BE49-F238E27FC236}">
+                <a16:creationId xmlns:a16="http://schemas.microsoft.com/office/drawing/2014/main" id="{869EF221-D1D4-492C-AE16-E0F09800DD73}"/>
+              </a:ext>
+            </a:extLst>
+          </p:cNvPr>
+          <p:cNvSpPr/>
+          <p:nvPr/>
+        </p:nvSpPr>
+        <p:spPr>
+          <a:xfrm>
+            <a:off x="2459917" y="5489464"/>
+            <a:ext cx="907768" cy="913572"/>
+          </a:xfrm>
+          <a:prstGeom prst="flowChartProcess">
+            <a:avLst/>
+          </a:prstGeom>
+        </p:spPr>
+        <p:style>
+          <a:lnRef idx="3">
+            <a:schemeClr val="lt1"/>
+          </a:lnRef>
+          <a:fillRef idx="1">
+            <a:schemeClr val="accent6"/>
+          </a:fillRef>
+          <a:effectRef idx="1">
+            <a:schemeClr val="accent6"/>
+          </a:effectRef>
+          <a:fontRef idx="minor">
+            <a:schemeClr val="lt1"/>
+          </a:fontRef>
+        </p:style>
+        <p:txBody>
+          <a:bodyPr rtlCol="1" anchor="ctr"/>
+          <a:lstStyle/>
+          <a:p>
+            <a:pPr algn="ctr"/>
+            <a:r>
+              <a:rPr lang="en-US" sz="1400" dirty="0"/>
+              <a:t>Edit</a:t>
+            </a:r>
+            <a:endParaRPr lang="he-IL" sz="1400" dirty="0"/>
+          </a:p>
+        </p:txBody>
+      </p:sp>
+      <p:sp>
+        <p:nvSpPr>
+          <p:cNvPr id="111" name="Flowchart: Process 110">
+            <a:extLst>
+              <a:ext uri="{FF2B5EF4-FFF2-40B4-BE49-F238E27FC236}">
+                <a16:creationId xmlns:a16="http://schemas.microsoft.com/office/drawing/2014/main" id="{2915BCF0-4B07-4692-B638-A7CFE0DF33A5}"/>
+              </a:ext>
+            </a:extLst>
+          </p:cNvPr>
+          <p:cNvSpPr/>
+          <p:nvPr/>
+        </p:nvSpPr>
+        <p:spPr>
+          <a:xfrm>
+            <a:off x="2928601" y="2471143"/>
+            <a:ext cx="596846" cy="913572"/>
+          </a:xfrm>
+          <a:prstGeom prst="flowChartProcess">
+            <a:avLst/>
+          </a:prstGeom>
+        </p:spPr>
+        <p:style>
+          <a:lnRef idx="1">
+            <a:schemeClr val="accent4"/>
+          </a:lnRef>
+          <a:fillRef idx="2">
+            <a:schemeClr val="accent4"/>
+          </a:fillRef>
+          <a:effectRef idx="1">
+            <a:schemeClr val="accent4"/>
+          </a:effectRef>
+          <a:fontRef idx="minor">
             <a:schemeClr val="dk1"/>
-          </a:fillRef>
-          <a:effectRef idx="0">
+          </a:fontRef>
+        </p:style>
+        <p:txBody>
+          <a:bodyPr rtlCol="1" anchor="ctr"/>
+          <a:lstStyle/>
+          <a:p>
+            <a:pPr algn="ctr"/>
+            <a:r>
+              <a:rPr lang="en-US" sz="1400" dirty="0"/>
+              <a:t>Date</a:t>
+            </a:r>
+            <a:endParaRPr lang="he-IL" sz="1400" dirty="0"/>
+          </a:p>
+        </p:txBody>
+      </p:sp>
+      <p:sp>
+        <p:nvSpPr>
+          <p:cNvPr id="112" name="Flowchart: Process 111">
+            <a:extLst>
+              <a:ext uri="{FF2B5EF4-FFF2-40B4-BE49-F238E27FC236}">
+                <a16:creationId xmlns:a16="http://schemas.microsoft.com/office/drawing/2014/main" id="{3E52A009-DAD3-4BD1-928E-3B502F065CD6}"/>
+              </a:ext>
+            </a:extLst>
+          </p:cNvPr>
+          <p:cNvSpPr/>
+          <p:nvPr/>
+        </p:nvSpPr>
+        <p:spPr>
+          <a:xfrm>
+            <a:off x="2927781" y="3469150"/>
+            <a:ext cx="596846" cy="913572"/>
+          </a:xfrm>
+          <a:prstGeom prst="flowChartProcess">
+            <a:avLst/>
+          </a:prstGeom>
+        </p:spPr>
+        <p:style>
+          <a:lnRef idx="1">
+            <a:schemeClr val="accent4"/>
+          </a:lnRef>
+          <a:fillRef idx="2">
+            <a:schemeClr val="accent4"/>
+          </a:fillRef>
+          <a:effectRef idx="1">
+            <a:schemeClr val="accent4"/>
+          </a:effectRef>
+          <a:fontRef idx="minor">
             <a:schemeClr val="dk1"/>
-          </a:effectRef>
-          <a:fontRef idx="minor">
-            <a:schemeClr val="lt1"/>
           </a:fontRef>
         </p:style>
         <p:txBody>
@@ -26030,7 +27430,7 @@
             <a:pPr algn="ctr"/>
             <a:r>
               <a:rPr lang="en-US" sz="1400" dirty="0"/>
-              <a:t>Calendar</a:t>
+              <a:t>Date</a:t>
             </a:r>
             <a:endParaRPr lang="he-IL" sz="1400" dirty="0"/>
           </a:p>
@@ -27689,8 +29089,8 @@
         </p:nvSpPr>
         <p:spPr>
           <a:xfrm>
-            <a:off x="2123010" y="2477866"/>
-            <a:ext cx="1187611" cy="913572"/>
+            <a:off x="2163066" y="2477866"/>
+            <a:ext cx="1147555" cy="913572"/>
           </a:xfrm>
           <a:prstGeom prst="flowChartProcess">
             <a:avLst/>
@@ -27737,8 +29137,8 @@
         </p:nvSpPr>
         <p:spPr>
           <a:xfrm>
-            <a:off x="2146042" y="3502274"/>
-            <a:ext cx="1157429" cy="890165"/>
+            <a:off x="2146043" y="3502274"/>
+            <a:ext cx="1145184" cy="890165"/>
           </a:xfrm>
           <a:prstGeom prst="flowChartProcess">
             <a:avLst/>
@@ -27786,7 +29186,7 @@
         <p:spPr>
           <a:xfrm>
             <a:off x="2169184" y="4515578"/>
-            <a:ext cx="1164276" cy="913572"/>
+            <a:ext cx="1122042" cy="913572"/>
           </a:xfrm>
           <a:prstGeom prst="flowChartProcess">
             <a:avLst/>
@@ -27834,7 +29234,7 @@
         <p:spPr>
           <a:xfrm>
             <a:off x="2163066" y="5473927"/>
-            <a:ext cx="1164276" cy="913572"/>
+            <a:ext cx="1140405" cy="913572"/>
           </a:xfrm>
           <a:prstGeom prst="flowChartProcess">
             <a:avLst/>
@@ -28417,6 +29817,1427 @@
       </p:grpSpPr>
       <p:sp>
         <p:nvSpPr>
+          <p:cNvPr id="3" name="Rectangle 2">
+            <a:extLst>
+              <a:ext uri="{FF2B5EF4-FFF2-40B4-BE49-F238E27FC236}">
+                <a16:creationId xmlns:a16="http://schemas.microsoft.com/office/drawing/2014/main" id="{23B7A883-A6EE-466B-9997-C321D984FB15}"/>
+              </a:ext>
+            </a:extLst>
+          </p:cNvPr>
+          <p:cNvSpPr/>
+          <p:nvPr/>
+        </p:nvSpPr>
+        <p:spPr>
+          <a:xfrm>
+            <a:off x="506437" y="914400"/>
+            <a:ext cx="5050301" cy="5584874"/>
+          </a:xfrm>
+          <a:prstGeom prst="rect">
+            <a:avLst/>
+          </a:prstGeom>
+        </p:spPr>
+        <p:style>
+          <a:lnRef idx="2">
+            <a:schemeClr val="accent4">
+              <a:shade val="50000"/>
+            </a:schemeClr>
+          </a:lnRef>
+          <a:fillRef idx="1">
+            <a:schemeClr val="accent4"/>
+          </a:fillRef>
+          <a:effectRef idx="0">
+            <a:schemeClr val="accent4"/>
+          </a:effectRef>
+          <a:fontRef idx="minor">
+            <a:schemeClr val="lt1"/>
+          </a:fontRef>
+        </p:style>
+        <p:txBody>
+          <a:bodyPr rtlCol="1" anchor="ctr"/>
+          <a:lstStyle/>
+          <a:p>
+            <a:pPr algn="ctr"/>
+            <a:endParaRPr lang="he-IL"/>
+          </a:p>
+        </p:txBody>
+      </p:sp>
+      <p:sp>
+        <p:nvSpPr>
+          <p:cNvPr id="4" name="Rectangle 3">
+            <a:extLst>
+              <a:ext uri="{FF2B5EF4-FFF2-40B4-BE49-F238E27FC236}">
+                <a16:creationId xmlns:a16="http://schemas.microsoft.com/office/drawing/2014/main" id="{3F687F76-2A4C-444F-A2A1-9165D4839784}"/>
+              </a:ext>
+            </a:extLst>
+          </p:cNvPr>
+          <p:cNvSpPr/>
+          <p:nvPr/>
+        </p:nvSpPr>
+        <p:spPr>
+          <a:xfrm>
+            <a:off x="508406" y="921881"/>
+            <a:ext cx="5050301" cy="998806"/>
+          </a:xfrm>
+          <a:prstGeom prst="rect">
+            <a:avLst/>
+          </a:prstGeom>
+        </p:spPr>
+        <p:style>
+          <a:lnRef idx="2">
+            <a:schemeClr val="accent4"/>
+          </a:lnRef>
+          <a:fillRef idx="1">
+            <a:schemeClr val="lt1"/>
+          </a:fillRef>
+          <a:effectRef idx="0">
+            <a:schemeClr val="accent4"/>
+          </a:effectRef>
+          <a:fontRef idx="minor">
+            <a:schemeClr val="dk1"/>
+          </a:fontRef>
+        </p:style>
+        <p:txBody>
+          <a:bodyPr rtlCol="1" anchor="ctr"/>
+          <a:lstStyle/>
+          <a:p>
+            <a:pPr algn="ctr"/>
+            <a:endParaRPr lang="he-IL"/>
+          </a:p>
+        </p:txBody>
+      </p:sp>
+      <p:cxnSp>
+        <p:nvCxnSpPr>
+          <p:cNvPr id="6" name="Straight Connector 5">
+            <a:extLst>
+              <a:ext uri="{FF2B5EF4-FFF2-40B4-BE49-F238E27FC236}">
+                <a16:creationId xmlns:a16="http://schemas.microsoft.com/office/drawing/2014/main" id="{FB5D83BF-2C08-4315-A634-898C6B1C78BD}"/>
+              </a:ext>
+            </a:extLst>
+          </p:cNvPr>
+          <p:cNvCxnSpPr/>
+          <p:nvPr/>
+        </p:nvCxnSpPr>
+        <p:spPr>
+          <a:xfrm flipV="1">
+            <a:off x="1491175" y="914400"/>
+            <a:ext cx="0" cy="998806"/>
+          </a:xfrm>
+          <a:prstGeom prst="line">
+            <a:avLst/>
+          </a:prstGeom>
+        </p:spPr>
+        <p:style>
+          <a:lnRef idx="1">
+            <a:schemeClr val="accent4"/>
+          </a:lnRef>
+          <a:fillRef idx="0">
+            <a:schemeClr val="accent4"/>
+          </a:fillRef>
+          <a:effectRef idx="0">
+            <a:schemeClr val="accent4"/>
+          </a:effectRef>
+          <a:fontRef idx="minor">
+            <a:schemeClr val="tx1"/>
+          </a:fontRef>
+        </p:style>
+      </p:cxnSp>
+      <p:cxnSp>
+        <p:nvCxnSpPr>
+          <p:cNvPr id="7" name="Straight Connector 6">
+            <a:extLst>
+              <a:ext uri="{FF2B5EF4-FFF2-40B4-BE49-F238E27FC236}">
+                <a16:creationId xmlns:a16="http://schemas.microsoft.com/office/drawing/2014/main" id="{393A380A-0718-4444-9274-619DC5BF48D7}"/>
+              </a:ext>
+            </a:extLst>
+          </p:cNvPr>
+          <p:cNvCxnSpPr/>
+          <p:nvPr/>
+        </p:nvCxnSpPr>
+        <p:spPr>
+          <a:xfrm flipV="1">
+            <a:off x="2321169" y="914400"/>
+            <a:ext cx="0" cy="998806"/>
+          </a:xfrm>
+          <a:prstGeom prst="line">
+            <a:avLst/>
+          </a:prstGeom>
+        </p:spPr>
+        <p:style>
+          <a:lnRef idx="1">
+            <a:schemeClr val="accent4"/>
+          </a:lnRef>
+          <a:fillRef idx="0">
+            <a:schemeClr val="accent4"/>
+          </a:fillRef>
+          <a:effectRef idx="0">
+            <a:schemeClr val="accent4"/>
+          </a:effectRef>
+          <a:fontRef idx="minor">
+            <a:schemeClr val="tx1"/>
+          </a:fontRef>
+        </p:style>
+      </p:cxnSp>
+      <p:cxnSp>
+        <p:nvCxnSpPr>
+          <p:cNvPr id="8" name="Straight Connector 7">
+            <a:extLst>
+              <a:ext uri="{FF2B5EF4-FFF2-40B4-BE49-F238E27FC236}">
+                <a16:creationId xmlns:a16="http://schemas.microsoft.com/office/drawing/2014/main" id="{62324416-87F6-4F7E-898D-3D162C69BF1B}"/>
+              </a:ext>
+            </a:extLst>
+          </p:cNvPr>
+          <p:cNvCxnSpPr/>
+          <p:nvPr/>
+        </p:nvCxnSpPr>
+        <p:spPr>
+          <a:xfrm flipV="1">
+            <a:off x="4513385" y="914400"/>
+            <a:ext cx="0" cy="998806"/>
+          </a:xfrm>
+          <a:prstGeom prst="line">
+            <a:avLst/>
+          </a:prstGeom>
+        </p:spPr>
+        <p:style>
+          <a:lnRef idx="1">
+            <a:schemeClr val="accent4"/>
+          </a:lnRef>
+          <a:fillRef idx="0">
+            <a:schemeClr val="accent4"/>
+          </a:fillRef>
+          <a:effectRef idx="0">
+            <a:schemeClr val="accent4"/>
+          </a:effectRef>
+          <a:fontRef idx="minor">
+            <a:schemeClr val="tx1"/>
+          </a:fontRef>
+        </p:style>
+      </p:cxnSp>
+      <p:cxnSp>
+        <p:nvCxnSpPr>
+          <p:cNvPr id="9" name="Straight Connector 8">
+            <a:extLst>
+              <a:ext uri="{FF2B5EF4-FFF2-40B4-BE49-F238E27FC236}">
+                <a16:creationId xmlns:a16="http://schemas.microsoft.com/office/drawing/2014/main" id="{CDD59AAD-CAEF-41F3-84D3-14016B7A6ABD}"/>
+              </a:ext>
+            </a:extLst>
+          </p:cNvPr>
+          <p:cNvCxnSpPr/>
+          <p:nvPr/>
+        </p:nvCxnSpPr>
+        <p:spPr>
+          <a:xfrm flipV="1">
+            <a:off x="3416104" y="914400"/>
+            <a:ext cx="0" cy="998806"/>
+          </a:xfrm>
+          <a:prstGeom prst="line">
+            <a:avLst/>
+          </a:prstGeom>
+        </p:spPr>
+        <p:style>
+          <a:lnRef idx="1">
+            <a:schemeClr val="accent4"/>
+          </a:lnRef>
+          <a:fillRef idx="0">
+            <a:schemeClr val="accent4"/>
+          </a:fillRef>
+          <a:effectRef idx="0">
+            <a:schemeClr val="accent4"/>
+          </a:effectRef>
+          <a:fontRef idx="minor">
+            <a:schemeClr val="tx1"/>
+          </a:fontRef>
+        </p:style>
+      </p:cxnSp>
+      <p:sp>
+        <p:nvSpPr>
+          <p:cNvPr id="10" name="TextBox 9">
+            <a:extLst>
+              <a:ext uri="{FF2B5EF4-FFF2-40B4-BE49-F238E27FC236}">
+                <a16:creationId xmlns:a16="http://schemas.microsoft.com/office/drawing/2014/main" id="{85941D42-A657-447E-A6EC-B59FDB660FA6}"/>
+              </a:ext>
+            </a:extLst>
+          </p:cNvPr>
+          <p:cNvSpPr txBox="1"/>
+          <p:nvPr/>
+        </p:nvSpPr>
+        <p:spPr>
+          <a:xfrm>
+            <a:off x="573263" y="1044471"/>
+            <a:ext cx="984732" cy="369332"/>
+          </a:xfrm>
+          <a:prstGeom prst="rect">
+            <a:avLst/>
+          </a:prstGeom>
+          <a:noFill/>
+        </p:spPr>
+        <p:txBody>
+          <a:bodyPr wrap="square" rtlCol="1">
+            <a:spAutoFit/>
+          </a:bodyPr>
+          <a:lstStyle/>
+          <a:p>
+            <a:r>
+              <a:rPr lang="en-US" dirty="0"/>
+              <a:t>Profile</a:t>
+            </a:r>
+            <a:endParaRPr lang="he-IL" dirty="0"/>
+          </a:p>
+        </p:txBody>
+      </p:sp>
+      <p:sp>
+        <p:nvSpPr>
+          <p:cNvPr id="11" name="TextBox 10">
+            <a:extLst>
+              <a:ext uri="{FF2B5EF4-FFF2-40B4-BE49-F238E27FC236}">
+                <a16:creationId xmlns:a16="http://schemas.microsoft.com/office/drawing/2014/main" id="{2AE7B5A5-FD79-49D9-9303-E27E1BAAD1B4}"/>
+              </a:ext>
+            </a:extLst>
+          </p:cNvPr>
+          <p:cNvSpPr txBox="1"/>
+          <p:nvPr/>
+        </p:nvSpPr>
+        <p:spPr>
+          <a:xfrm>
+            <a:off x="1500564" y="1051952"/>
+            <a:ext cx="984733" cy="369332"/>
+          </a:xfrm>
+          <a:prstGeom prst="rect">
+            <a:avLst/>
+          </a:prstGeom>
+          <a:noFill/>
+        </p:spPr>
+        <p:txBody>
+          <a:bodyPr wrap="square" rtlCol="1">
+            <a:spAutoFit/>
+          </a:bodyPr>
+          <a:lstStyle/>
+          <a:p>
+            <a:r>
+              <a:rPr lang="en-US" dirty="0"/>
+              <a:t>Recipes</a:t>
+            </a:r>
+            <a:endParaRPr lang="he-IL" dirty="0"/>
+          </a:p>
+        </p:txBody>
+      </p:sp>
+      <p:sp>
+        <p:nvSpPr>
+          <p:cNvPr id="16" name="Minus Sign 15">
+            <a:extLst>
+              <a:ext uri="{FF2B5EF4-FFF2-40B4-BE49-F238E27FC236}">
+                <a16:creationId xmlns:a16="http://schemas.microsoft.com/office/drawing/2014/main" id="{88A33CFE-75D0-4E46-95A0-4C1FF5A00920}"/>
+              </a:ext>
+            </a:extLst>
+          </p:cNvPr>
+          <p:cNvSpPr/>
+          <p:nvPr/>
+        </p:nvSpPr>
+        <p:spPr>
+          <a:xfrm>
+            <a:off x="1335845" y="1167740"/>
+            <a:ext cx="1149451" cy="893298"/>
+          </a:xfrm>
+          <a:prstGeom prst="mathMinus">
+            <a:avLst/>
+          </a:prstGeom>
+        </p:spPr>
+        <p:style>
+          <a:lnRef idx="2">
+            <a:schemeClr val="accent4">
+              <a:shade val="50000"/>
+            </a:schemeClr>
+          </a:lnRef>
+          <a:fillRef idx="1">
+            <a:schemeClr val="accent4"/>
+          </a:fillRef>
+          <a:effectRef idx="0">
+            <a:schemeClr val="accent4"/>
+          </a:effectRef>
+          <a:fontRef idx="minor">
+            <a:schemeClr val="lt1"/>
+          </a:fontRef>
+        </p:style>
+        <p:txBody>
+          <a:bodyPr rtlCol="1" anchor="ctr"/>
+          <a:lstStyle/>
+          <a:p>
+            <a:pPr algn="ctr"/>
+            <a:endParaRPr lang="he-IL" dirty="0"/>
+          </a:p>
+        </p:txBody>
+      </p:sp>
+      <p:sp>
+        <p:nvSpPr>
+          <p:cNvPr id="17" name="Flowchart: Process 16">
+            <a:extLst>
+              <a:ext uri="{FF2B5EF4-FFF2-40B4-BE49-F238E27FC236}">
+                <a16:creationId xmlns:a16="http://schemas.microsoft.com/office/drawing/2014/main" id="{6F9929D3-8631-4246-BD4E-F87F0C55084E}"/>
+              </a:ext>
+            </a:extLst>
+          </p:cNvPr>
+          <p:cNvSpPr/>
+          <p:nvPr/>
+        </p:nvSpPr>
+        <p:spPr>
+          <a:xfrm>
+            <a:off x="1975853" y="1510311"/>
+            <a:ext cx="355277" cy="208156"/>
+          </a:xfrm>
+          <a:prstGeom prst="flowChartProcess">
+            <a:avLst/>
+          </a:prstGeom>
+        </p:spPr>
+        <p:style>
+          <a:lnRef idx="2">
+            <a:schemeClr val="accent4"/>
+          </a:lnRef>
+          <a:fillRef idx="1">
+            <a:schemeClr val="lt1"/>
+          </a:fillRef>
+          <a:effectRef idx="0">
+            <a:schemeClr val="accent4"/>
+          </a:effectRef>
+          <a:fontRef idx="minor">
+            <a:schemeClr val="dk1"/>
+          </a:fontRef>
+        </p:style>
+        <p:txBody>
+          <a:bodyPr rtlCol="1" anchor="ctr"/>
+          <a:lstStyle/>
+          <a:p>
+            <a:pPr algn="ctr"/>
+            <a:endParaRPr lang="he-IL" dirty="0"/>
+          </a:p>
+        </p:txBody>
+      </p:sp>
+      <p:sp>
+        <p:nvSpPr>
+          <p:cNvPr id="14" name="Flowchart: Merge 13">
+            <a:extLst>
+              <a:ext uri="{FF2B5EF4-FFF2-40B4-BE49-F238E27FC236}">
+                <a16:creationId xmlns:a16="http://schemas.microsoft.com/office/drawing/2014/main" id="{EB82B231-0372-467C-9C98-0111E71975BD}"/>
+              </a:ext>
+            </a:extLst>
+          </p:cNvPr>
+          <p:cNvSpPr/>
+          <p:nvPr/>
+        </p:nvSpPr>
+        <p:spPr>
+          <a:xfrm>
+            <a:off x="1959517" y="1510311"/>
+            <a:ext cx="371613" cy="208156"/>
+          </a:xfrm>
+          <a:prstGeom prst="flowChartMerge">
+            <a:avLst/>
+          </a:prstGeom>
+        </p:spPr>
+        <p:style>
+          <a:lnRef idx="2">
+            <a:schemeClr val="accent3">
+              <a:shade val="50000"/>
+            </a:schemeClr>
+          </a:lnRef>
+          <a:fillRef idx="1">
+            <a:schemeClr val="accent3"/>
+          </a:fillRef>
+          <a:effectRef idx="0">
+            <a:schemeClr val="accent3"/>
+          </a:effectRef>
+          <a:fontRef idx="minor">
+            <a:schemeClr val="lt1"/>
+          </a:fontRef>
+        </p:style>
+        <p:txBody>
+          <a:bodyPr rtlCol="1" anchor="ctr"/>
+          <a:lstStyle/>
+          <a:p>
+            <a:pPr algn="ctr"/>
+            <a:endParaRPr lang="he-IL"/>
+          </a:p>
+        </p:txBody>
+      </p:sp>
+      <p:sp>
+        <p:nvSpPr>
+          <p:cNvPr id="24" name="TextBox 23">
+            <a:extLst>
+              <a:ext uri="{FF2B5EF4-FFF2-40B4-BE49-F238E27FC236}">
+                <a16:creationId xmlns:a16="http://schemas.microsoft.com/office/drawing/2014/main" id="{9A83DD68-1BD7-4DDE-A9EA-F5B9A873C456}"/>
+              </a:ext>
+            </a:extLst>
+          </p:cNvPr>
+          <p:cNvSpPr txBox="1"/>
+          <p:nvPr/>
+        </p:nvSpPr>
+        <p:spPr>
+          <a:xfrm>
+            <a:off x="2259631" y="1030331"/>
+            <a:ext cx="1385016" cy="369332"/>
+          </a:xfrm>
+          <a:prstGeom prst="rect">
+            <a:avLst/>
+          </a:prstGeom>
+          <a:noFill/>
+        </p:spPr>
+        <p:txBody>
+          <a:bodyPr wrap="square" rtlCol="1">
+            <a:spAutoFit/>
+          </a:bodyPr>
+          <a:lstStyle/>
+          <a:p>
+            <a:r>
+              <a:rPr lang="en-US" dirty="0"/>
+              <a:t>Ingredients</a:t>
+            </a:r>
+            <a:endParaRPr lang="he-IL" dirty="0"/>
+          </a:p>
+        </p:txBody>
+      </p:sp>
+      <p:sp>
+        <p:nvSpPr>
+          <p:cNvPr id="25" name="Minus Sign 24">
+            <a:extLst>
+              <a:ext uri="{FF2B5EF4-FFF2-40B4-BE49-F238E27FC236}">
+                <a16:creationId xmlns:a16="http://schemas.microsoft.com/office/drawing/2014/main" id="{80FC435F-C1B2-4896-8DD3-DE207B545560}"/>
+              </a:ext>
+            </a:extLst>
+          </p:cNvPr>
+          <p:cNvSpPr/>
+          <p:nvPr/>
+        </p:nvSpPr>
+        <p:spPr>
+          <a:xfrm>
+            <a:off x="2330178" y="1143177"/>
+            <a:ext cx="1149451" cy="893298"/>
+          </a:xfrm>
+          <a:prstGeom prst="mathMinus">
+            <a:avLst/>
+          </a:prstGeom>
+        </p:spPr>
+        <p:style>
+          <a:lnRef idx="2">
+            <a:schemeClr val="accent4">
+              <a:shade val="50000"/>
+            </a:schemeClr>
+          </a:lnRef>
+          <a:fillRef idx="1">
+            <a:schemeClr val="accent4"/>
+          </a:fillRef>
+          <a:effectRef idx="0">
+            <a:schemeClr val="accent4"/>
+          </a:effectRef>
+          <a:fontRef idx="minor">
+            <a:schemeClr val="lt1"/>
+          </a:fontRef>
+        </p:style>
+        <p:txBody>
+          <a:bodyPr rtlCol="1" anchor="ctr"/>
+          <a:lstStyle/>
+          <a:p>
+            <a:pPr algn="ctr"/>
+            <a:endParaRPr lang="he-IL"/>
+          </a:p>
+        </p:txBody>
+      </p:sp>
+      <p:sp>
+        <p:nvSpPr>
+          <p:cNvPr id="26" name="Flowchart: Process 25">
+            <a:extLst>
+              <a:ext uri="{FF2B5EF4-FFF2-40B4-BE49-F238E27FC236}">
+                <a16:creationId xmlns:a16="http://schemas.microsoft.com/office/drawing/2014/main" id="{0C4B3A19-6EA2-4789-B12A-101B5D705961}"/>
+              </a:ext>
+            </a:extLst>
+          </p:cNvPr>
+          <p:cNvSpPr/>
+          <p:nvPr/>
+        </p:nvSpPr>
+        <p:spPr>
+          <a:xfrm>
+            <a:off x="3010497" y="1476236"/>
+            <a:ext cx="286305" cy="225193"/>
+          </a:xfrm>
+          <a:prstGeom prst="flowChartProcess">
+            <a:avLst/>
+          </a:prstGeom>
+        </p:spPr>
+        <p:style>
+          <a:lnRef idx="2">
+            <a:schemeClr val="accent4"/>
+          </a:lnRef>
+          <a:fillRef idx="1">
+            <a:schemeClr val="lt1"/>
+          </a:fillRef>
+          <a:effectRef idx="0">
+            <a:schemeClr val="accent4"/>
+          </a:effectRef>
+          <a:fontRef idx="minor">
+            <a:schemeClr val="dk1"/>
+          </a:fontRef>
+        </p:style>
+        <p:txBody>
+          <a:bodyPr rtlCol="1" anchor="ctr"/>
+          <a:lstStyle/>
+          <a:p>
+            <a:pPr algn="ctr"/>
+            <a:endParaRPr lang="he-IL" dirty="0"/>
+          </a:p>
+        </p:txBody>
+      </p:sp>
+      <p:sp>
+        <p:nvSpPr>
+          <p:cNvPr id="27" name="Flowchart: Merge 26">
+            <a:extLst>
+              <a:ext uri="{FF2B5EF4-FFF2-40B4-BE49-F238E27FC236}">
+                <a16:creationId xmlns:a16="http://schemas.microsoft.com/office/drawing/2014/main" id="{CD9358CC-425E-44FA-BF9D-F0B31EB212FA}"/>
+              </a:ext>
+            </a:extLst>
+          </p:cNvPr>
+          <p:cNvSpPr/>
+          <p:nvPr/>
+        </p:nvSpPr>
+        <p:spPr>
+          <a:xfrm>
+            <a:off x="2994262" y="1498029"/>
+            <a:ext cx="313801" cy="232719"/>
+          </a:xfrm>
+          <a:prstGeom prst="flowChartMerge">
+            <a:avLst/>
+          </a:prstGeom>
+        </p:spPr>
+        <p:style>
+          <a:lnRef idx="2">
+            <a:schemeClr val="accent3">
+              <a:shade val="50000"/>
+            </a:schemeClr>
+          </a:lnRef>
+          <a:fillRef idx="1">
+            <a:schemeClr val="accent3"/>
+          </a:fillRef>
+          <a:effectRef idx="0">
+            <a:schemeClr val="accent3"/>
+          </a:effectRef>
+          <a:fontRef idx="minor">
+            <a:schemeClr val="lt1"/>
+          </a:fontRef>
+        </p:style>
+        <p:txBody>
+          <a:bodyPr rtlCol="1" anchor="ctr"/>
+          <a:lstStyle/>
+          <a:p>
+            <a:pPr algn="ctr"/>
+            <a:endParaRPr lang="he-IL"/>
+          </a:p>
+        </p:txBody>
+      </p:sp>
+      <p:sp>
+        <p:nvSpPr>
+          <p:cNvPr id="36" name="TextBox 35">
+            <a:extLst>
+              <a:ext uri="{FF2B5EF4-FFF2-40B4-BE49-F238E27FC236}">
+                <a16:creationId xmlns:a16="http://schemas.microsoft.com/office/drawing/2014/main" id="{AD9EFBAC-D132-4FED-8E13-5CA618FFE1C6}"/>
+              </a:ext>
+            </a:extLst>
+          </p:cNvPr>
+          <p:cNvSpPr txBox="1"/>
+          <p:nvPr/>
+        </p:nvSpPr>
+        <p:spPr>
+          <a:xfrm>
+            <a:off x="3488637" y="997958"/>
+            <a:ext cx="1149452" cy="369332"/>
+          </a:xfrm>
+          <a:prstGeom prst="rect">
+            <a:avLst/>
+          </a:prstGeom>
+          <a:noFill/>
+        </p:spPr>
+        <p:txBody>
+          <a:bodyPr wrap="square" rtlCol="1">
+            <a:spAutoFit/>
+          </a:bodyPr>
+          <a:lstStyle/>
+          <a:p>
+            <a:r>
+              <a:rPr lang="en-US" dirty="0"/>
+              <a:t>Schedule</a:t>
+            </a:r>
+            <a:endParaRPr lang="he-IL" dirty="0"/>
+          </a:p>
+        </p:txBody>
+      </p:sp>
+      <p:sp>
+        <p:nvSpPr>
+          <p:cNvPr id="37" name="Minus Sign 36">
+            <a:extLst>
+              <a:ext uri="{FF2B5EF4-FFF2-40B4-BE49-F238E27FC236}">
+                <a16:creationId xmlns:a16="http://schemas.microsoft.com/office/drawing/2014/main" id="{E1622653-5170-419D-BD62-E7E4280CEFEC}"/>
+              </a:ext>
+            </a:extLst>
+          </p:cNvPr>
+          <p:cNvSpPr/>
+          <p:nvPr/>
+        </p:nvSpPr>
+        <p:spPr>
+          <a:xfrm>
+            <a:off x="3450968" y="1142570"/>
+            <a:ext cx="1149451" cy="893298"/>
+          </a:xfrm>
+          <a:prstGeom prst="mathMinus">
+            <a:avLst/>
+          </a:prstGeom>
+        </p:spPr>
+        <p:style>
+          <a:lnRef idx="2">
+            <a:schemeClr val="accent4">
+              <a:shade val="50000"/>
+            </a:schemeClr>
+          </a:lnRef>
+          <a:fillRef idx="1">
+            <a:schemeClr val="accent4"/>
+          </a:fillRef>
+          <a:effectRef idx="0">
+            <a:schemeClr val="accent4"/>
+          </a:effectRef>
+          <a:fontRef idx="minor">
+            <a:schemeClr val="lt1"/>
+          </a:fontRef>
+        </p:style>
+        <p:txBody>
+          <a:bodyPr rtlCol="1" anchor="ctr"/>
+          <a:lstStyle/>
+          <a:p>
+            <a:pPr algn="ctr"/>
+            <a:endParaRPr lang="he-IL"/>
+          </a:p>
+        </p:txBody>
+      </p:sp>
+      <p:sp>
+        <p:nvSpPr>
+          <p:cNvPr id="40" name="Flowchart: Process 39">
+            <a:extLst>
+              <a:ext uri="{FF2B5EF4-FFF2-40B4-BE49-F238E27FC236}">
+                <a16:creationId xmlns:a16="http://schemas.microsoft.com/office/drawing/2014/main" id="{744358D7-A5A2-4A2C-9E65-E80009344EAC}"/>
+              </a:ext>
+            </a:extLst>
+          </p:cNvPr>
+          <p:cNvSpPr/>
+          <p:nvPr/>
+        </p:nvSpPr>
+        <p:spPr>
+          <a:xfrm>
+            <a:off x="4127045" y="1493273"/>
+            <a:ext cx="355277" cy="208156"/>
+          </a:xfrm>
+          <a:prstGeom prst="flowChartProcess">
+            <a:avLst/>
+          </a:prstGeom>
+        </p:spPr>
+        <p:style>
+          <a:lnRef idx="2">
+            <a:schemeClr val="accent4"/>
+          </a:lnRef>
+          <a:fillRef idx="1">
+            <a:schemeClr val="lt1"/>
+          </a:fillRef>
+          <a:effectRef idx="0">
+            <a:schemeClr val="accent4"/>
+          </a:effectRef>
+          <a:fontRef idx="minor">
+            <a:schemeClr val="dk1"/>
+          </a:fontRef>
+        </p:style>
+        <p:txBody>
+          <a:bodyPr rtlCol="1" anchor="ctr"/>
+          <a:lstStyle/>
+          <a:p>
+            <a:pPr algn="ctr"/>
+            <a:endParaRPr lang="he-IL" dirty="0"/>
+          </a:p>
+        </p:txBody>
+      </p:sp>
+      <p:sp>
+        <p:nvSpPr>
+          <p:cNvPr id="41" name="Flowchart: Merge 40">
+            <a:extLst>
+              <a:ext uri="{FF2B5EF4-FFF2-40B4-BE49-F238E27FC236}">
+                <a16:creationId xmlns:a16="http://schemas.microsoft.com/office/drawing/2014/main" id="{7183DA87-2E10-41EE-9A75-183A3AC3587F}"/>
+              </a:ext>
+            </a:extLst>
+          </p:cNvPr>
+          <p:cNvSpPr/>
+          <p:nvPr/>
+        </p:nvSpPr>
+        <p:spPr>
+          <a:xfrm>
+            <a:off x="4122707" y="1476236"/>
+            <a:ext cx="371613" cy="208156"/>
+          </a:xfrm>
+          <a:prstGeom prst="flowChartMerge">
+            <a:avLst/>
+          </a:prstGeom>
+        </p:spPr>
+        <p:style>
+          <a:lnRef idx="2">
+            <a:schemeClr val="accent3">
+              <a:shade val="50000"/>
+            </a:schemeClr>
+          </a:lnRef>
+          <a:fillRef idx="1">
+            <a:schemeClr val="accent3"/>
+          </a:fillRef>
+          <a:effectRef idx="0">
+            <a:schemeClr val="accent3"/>
+          </a:effectRef>
+          <a:fontRef idx="minor">
+            <a:schemeClr val="lt1"/>
+          </a:fontRef>
+        </p:style>
+        <p:txBody>
+          <a:bodyPr rtlCol="1" anchor="ctr"/>
+          <a:lstStyle/>
+          <a:p>
+            <a:pPr algn="ctr"/>
+            <a:endParaRPr lang="he-IL"/>
+          </a:p>
+        </p:txBody>
+      </p:sp>
+      <p:sp>
+        <p:nvSpPr>
+          <p:cNvPr id="47" name="TextBox 46">
+            <a:extLst>
+              <a:ext uri="{FF2B5EF4-FFF2-40B4-BE49-F238E27FC236}">
+                <a16:creationId xmlns:a16="http://schemas.microsoft.com/office/drawing/2014/main" id="{3B5A08E8-7116-4951-8936-D0F4E44B29A6}"/>
+              </a:ext>
+            </a:extLst>
+          </p:cNvPr>
+          <p:cNvSpPr txBox="1"/>
+          <p:nvPr/>
+        </p:nvSpPr>
+        <p:spPr>
+          <a:xfrm>
+            <a:off x="587337" y="4926950"/>
+            <a:ext cx="4563601" cy="923330"/>
+          </a:xfrm>
+          <a:prstGeom prst="rect">
+            <a:avLst/>
+          </a:prstGeom>
+          <a:noFill/>
+        </p:spPr>
+        <p:txBody>
+          <a:bodyPr wrap="square" rtlCol="1">
+            <a:spAutoFit/>
+          </a:bodyPr>
+          <a:lstStyle/>
+          <a:p>
+            <a:r>
+              <a:rPr lang="en-US" dirty="0"/>
+              <a:t>We can click a date and then we will open a daily page to pick a daily schedule/ or if we pick a week then we open a weekly schedule </a:t>
+            </a:r>
+            <a:endParaRPr lang="he-IL" dirty="0"/>
+          </a:p>
+        </p:txBody>
+      </p:sp>
+      <p:sp>
+        <p:nvSpPr>
+          <p:cNvPr id="52" name="TextBox 51">
+            <a:extLst>
+              <a:ext uri="{FF2B5EF4-FFF2-40B4-BE49-F238E27FC236}">
+                <a16:creationId xmlns:a16="http://schemas.microsoft.com/office/drawing/2014/main" id="{652772F9-0494-48B1-AAF8-EDE99BA554AB}"/>
+              </a:ext>
+            </a:extLst>
+          </p:cNvPr>
+          <p:cNvSpPr txBox="1"/>
+          <p:nvPr/>
+        </p:nvSpPr>
+        <p:spPr>
+          <a:xfrm>
+            <a:off x="4675758" y="1037348"/>
+            <a:ext cx="709182" cy="369332"/>
+          </a:xfrm>
+          <a:prstGeom prst="rect">
+            <a:avLst/>
+          </a:prstGeom>
+          <a:noFill/>
+        </p:spPr>
+        <p:txBody>
+          <a:bodyPr wrap="square" rtlCol="1">
+            <a:spAutoFit/>
+          </a:bodyPr>
+          <a:lstStyle/>
+          <a:p>
+            <a:r>
+              <a:rPr lang="en-US" dirty="0"/>
+              <a:t>Cart</a:t>
+            </a:r>
+            <a:endParaRPr lang="he-IL" dirty="0"/>
+          </a:p>
+        </p:txBody>
+      </p:sp>
+      <p:sp>
+        <p:nvSpPr>
+          <p:cNvPr id="53" name="Minus Sign 52">
+            <a:extLst>
+              <a:ext uri="{FF2B5EF4-FFF2-40B4-BE49-F238E27FC236}">
+                <a16:creationId xmlns:a16="http://schemas.microsoft.com/office/drawing/2014/main" id="{FD938FC1-1F52-4550-B67E-69C7E24A7004}"/>
+              </a:ext>
+            </a:extLst>
+          </p:cNvPr>
+          <p:cNvSpPr/>
+          <p:nvPr/>
+        </p:nvSpPr>
+        <p:spPr>
+          <a:xfrm>
+            <a:off x="386774" y="1142498"/>
+            <a:ext cx="1149451" cy="893298"/>
+          </a:xfrm>
+          <a:prstGeom prst="mathMinus">
+            <a:avLst/>
+          </a:prstGeom>
+        </p:spPr>
+        <p:style>
+          <a:lnRef idx="2">
+            <a:schemeClr val="accent4">
+              <a:shade val="50000"/>
+            </a:schemeClr>
+          </a:lnRef>
+          <a:fillRef idx="1">
+            <a:schemeClr val="accent4"/>
+          </a:fillRef>
+          <a:effectRef idx="0">
+            <a:schemeClr val="accent4"/>
+          </a:effectRef>
+          <a:fontRef idx="minor">
+            <a:schemeClr val="lt1"/>
+          </a:fontRef>
+        </p:style>
+        <p:txBody>
+          <a:bodyPr rtlCol="1" anchor="ctr"/>
+          <a:lstStyle/>
+          <a:p>
+            <a:pPr algn="ctr"/>
+            <a:endParaRPr lang="he-IL"/>
+          </a:p>
+        </p:txBody>
+      </p:sp>
+      <p:sp>
+        <p:nvSpPr>
+          <p:cNvPr id="54" name="Flowchart: Process 53">
+            <a:extLst>
+              <a:ext uri="{FF2B5EF4-FFF2-40B4-BE49-F238E27FC236}">
+                <a16:creationId xmlns:a16="http://schemas.microsoft.com/office/drawing/2014/main" id="{2EDDF372-A1C5-47D0-B428-57400E9DBBC5}"/>
+              </a:ext>
+            </a:extLst>
+          </p:cNvPr>
+          <p:cNvSpPr/>
+          <p:nvPr/>
+        </p:nvSpPr>
+        <p:spPr>
+          <a:xfrm>
+            <a:off x="1017013" y="1486308"/>
+            <a:ext cx="355277" cy="208156"/>
+          </a:xfrm>
+          <a:prstGeom prst="flowChartProcess">
+            <a:avLst/>
+          </a:prstGeom>
+        </p:spPr>
+        <p:style>
+          <a:lnRef idx="2">
+            <a:schemeClr val="accent4"/>
+          </a:lnRef>
+          <a:fillRef idx="1">
+            <a:schemeClr val="lt1"/>
+          </a:fillRef>
+          <a:effectRef idx="0">
+            <a:schemeClr val="accent4"/>
+          </a:effectRef>
+          <a:fontRef idx="minor">
+            <a:schemeClr val="dk1"/>
+          </a:fontRef>
+        </p:style>
+        <p:txBody>
+          <a:bodyPr rtlCol="1" anchor="ctr"/>
+          <a:lstStyle/>
+          <a:p>
+            <a:pPr algn="ctr"/>
+            <a:endParaRPr lang="he-IL" dirty="0"/>
+          </a:p>
+        </p:txBody>
+      </p:sp>
+      <p:sp>
+        <p:nvSpPr>
+          <p:cNvPr id="55" name="Flowchart: Merge 54">
+            <a:extLst>
+              <a:ext uri="{FF2B5EF4-FFF2-40B4-BE49-F238E27FC236}">
+                <a16:creationId xmlns:a16="http://schemas.microsoft.com/office/drawing/2014/main" id="{BE8EAA06-D345-44F4-8EB2-AEDE7D842455}"/>
+              </a:ext>
+            </a:extLst>
+          </p:cNvPr>
+          <p:cNvSpPr/>
+          <p:nvPr/>
+        </p:nvSpPr>
+        <p:spPr>
+          <a:xfrm>
+            <a:off x="992893" y="1498647"/>
+            <a:ext cx="371613" cy="208156"/>
+          </a:xfrm>
+          <a:prstGeom prst="flowChartMerge">
+            <a:avLst/>
+          </a:prstGeom>
+        </p:spPr>
+        <p:style>
+          <a:lnRef idx="2">
+            <a:schemeClr val="accent3">
+              <a:shade val="50000"/>
+            </a:schemeClr>
+          </a:lnRef>
+          <a:fillRef idx="1">
+            <a:schemeClr val="accent3"/>
+          </a:fillRef>
+          <a:effectRef idx="0">
+            <a:schemeClr val="accent3"/>
+          </a:effectRef>
+          <a:fontRef idx="minor">
+            <a:schemeClr val="lt1"/>
+          </a:fontRef>
+        </p:style>
+        <p:txBody>
+          <a:bodyPr rtlCol="1" anchor="ctr"/>
+          <a:lstStyle/>
+          <a:p>
+            <a:pPr algn="ctr"/>
+            <a:endParaRPr lang="he-IL"/>
+          </a:p>
+        </p:txBody>
+      </p:sp>
+      <p:graphicFrame>
+        <p:nvGraphicFramePr>
+          <p:cNvPr id="2" name="Table 11">
+            <a:extLst>
+              <a:ext uri="{FF2B5EF4-FFF2-40B4-BE49-F238E27FC236}">
+                <a16:creationId xmlns:a16="http://schemas.microsoft.com/office/drawing/2014/main" id="{DF9AC330-BB46-44B9-8B31-3EFD5AE20C73}"/>
+              </a:ext>
+            </a:extLst>
+          </p:cNvPr>
+          <p:cNvGraphicFramePr>
+            <a:graphicFrameLocks noGrp="1"/>
+          </p:cNvGraphicFramePr>
+          <p:nvPr>
+            <p:extLst>
+              <p:ext uri="{D42A27DB-BD31-4B8C-83A1-F6EECF244321}">
+                <p14:modId xmlns:p14="http://schemas.microsoft.com/office/powerpoint/2010/main" val="2044948958"/>
+              </p:ext>
+            </p:extLst>
+          </p:nvPr>
+        </p:nvGraphicFramePr>
+        <p:xfrm>
+          <a:off x="422066" y="3070019"/>
+          <a:ext cx="5285496" cy="1483360"/>
+        </p:xfrm>
+        <a:graphic>
+          <a:graphicData uri="http://schemas.openxmlformats.org/drawingml/2006/table">
+            <a:tbl>
+              <a:tblPr rtl="1" firstRow="1" bandRow="1">
+                <a:tableStyleId>{5C22544A-7EE6-4342-B048-85BDC9FD1C3A}</a:tableStyleId>
+              </a:tblPr>
+              <a:tblGrid>
+                <a:gridCol w="880916">
+                  <a:extLst>
+                    <a:ext uri="{9D8B030D-6E8A-4147-A177-3AD203B41FA5}">
+                      <a16:colId xmlns:a16="http://schemas.microsoft.com/office/drawing/2014/main" val="4128426153"/>
+                    </a:ext>
+                  </a:extLst>
+                </a:gridCol>
+                <a:gridCol w="880916">
+                  <a:extLst>
+                    <a:ext uri="{9D8B030D-6E8A-4147-A177-3AD203B41FA5}">
+                      <a16:colId xmlns:a16="http://schemas.microsoft.com/office/drawing/2014/main" val="1083160346"/>
+                    </a:ext>
+                  </a:extLst>
+                </a:gridCol>
+                <a:gridCol w="880916">
+                  <a:extLst>
+                    <a:ext uri="{9D8B030D-6E8A-4147-A177-3AD203B41FA5}">
+                      <a16:colId xmlns:a16="http://schemas.microsoft.com/office/drawing/2014/main" val="1914933752"/>
+                    </a:ext>
+                  </a:extLst>
+                </a:gridCol>
+                <a:gridCol w="880916">
+                  <a:extLst>
+                    <a:ext uri="{9D8B030D-6E8A-4147-A177-3AD203B41FA5}">
+                      <a16:colId xmlns:a16="http://schemas.microsoft.com/office/drawing/2014/main" val="3713439850"/>
+                    </a:ext>
+                  </a:extLst>
+                </a:gridCol>
+                <a:gridCol w="880916">
+                  <a:extLst>
+                    <a:ext uri="{9D8B030D-6E8A-4147-A177-3AD203B41FA5}">
+                      <a16:colId xmlns:a16="http://schemas.microsoft.com/office/drawing/2014/main" val="1450631460"/>
+                    </a:ext>
+                  </a:extLst>
+                </a:gridCol>
+                <a:gridCol w="880916">
+                  <a:extLst>
+                    <a:ext uri="{9D8B030D-6E8A-4147-A177-3AD203B41FA5}">
+                      <a16:colId xmlns:a16="http://schemas.microsoft.com/office/drawing/2014/main" val="1197524287"/>
+                    </a:ext>
+                  </a:extLst>
+                </a:gridCol>
+              </a:tblGrid>
+              <a:tr h="370840">
+                <a:tc>
+                  <a:txBody>
+                    <a:bodyPr/>
+                    <a:lstStyle/>
+                    <a:p>
+                      <a:pPr rtl="1"/>
+                      <a:r>
+                        <a:rPr lang="he-IL" dirty="0"/>
+                        <a:t>תאריך</a:t>
+                      </a:r>
+                    </a:p>
+                  </a:txBody>
+                  <a:tcPr/>
+                </a:tc>
+                <a:tc>
+                  <a:txBody>
+                    <a:bodyPr/>
+                    <a:lstStyle/>
+                    <a:p>
+                      <a:pPr rtl="1"/>
+                      <a:endParaRPr lang="he-IL"/>
+                    </a:p>
+                  </a:txBody>
+                  <a:tcPr/>
+                </a:tc>
+                <a:tc>
+                  <a:txBody>
+                    <a:bodyPr/>
+                    <a:lstStyle/>
+                    <a:p>
+                      <a:pPr rtl="1"/>
+                      <a:endParaRPr lang="he-IL"/>
+                    </a:p>
+                  </a:txBody>
+                  <a:tcPr/>
+                </a:tc>
+                <a:tc>
+                  <a:txBody>
+                    <a:bodyPr/>
+                    <a:lstStyle/>
+                    <a:p>
+                      <a:pPr rtl="1"/>
+                      <a:endParaRPr lang="he-IL"/>
+                    </a:p>
+                  </a:txBody>
+                  <a:tcPr/>
+                </a:tc>
+                <a:tc>
+                  <a:txBody>
+                    <a:bodyPr/>
+                    <a:lstStyle/>
+                    <a:p>
+                      <a:pPr rtl="1"/>
+                      <a:endParaRPr lang="he-IL"/>
+                    </a:p>
+                  </a:txBody>
+                  <a:tcPr/>
+                </a:tc>
+                <a:tc>
+                  <a:txBody>
+                    <a:bodyPr/>
+                    <a:lstStyle/>
+                    <a:p>
+                      <a:pPr rtl="1"/>
+                      <a:endParaRPr lang="he-IL"/>
+                    </a:p>
+                  </a:txBody>
+                  <a:tcPr/>
+                </a:tc>
+                <a:extLst>
+                  <a:ext uri="{0D108BD9-81ED-4DB2-BD59-A6C34878D82A}">
+                    <a16:rowId xmlns:a16="http://schemas.microsoft.com/office/drawing/2014/main" val="2235531881"/>
+                  </a:ext>
+                </a:extLst>
+              </a:tr>
+              <a:tr h="370840">
+                <a:tc>
+                  <a:txBody>
+                    <a:bodyPr/>
+                    <a:lstStyle/>
+                    <a:p>
+                      <a:pPr rtl="1"/>
+                      <a:r>
+                        <a:rPr lang="he-IL" dirty="0"/>
+                        <a:t>א</a:t>
+                      </a:r>
+                    </a:p>
+                  </a:txBody>
+                  <a:tcPr/>
+                </a:tc>
+                <a:tc>
+                  <a:txBody>
+                    <a:bodyPr/>
+                    <a:lstStyle/>
+                    <a:p>
+                      <a:pPr rtl="1"/>
+                      <a:r>
+                        <a:rPr lang="he-IL" dirty="0"/>
+                        <a:t>ב</a:t>
+                      </a:r>
+                    </a:p>
+                  </a:txBody>
+                  <a:tcPr/>
+                </a:tc>
+                <a:tc>
+                  <a:txBody>
+                    <a:bodyPr/>
+                    <a:lstStyle/>
+                    <a:p>
+                      <a:pPr rtl="1"/>
+                      <a:r>
+                        <a:rPr lang="he-IL" dirty="0"/>
+                        <a:t>ג</a:t>
+                      </a:r>
+                    </a:p>
+                  </a:txBody>
+                  <a:tcPr/>
+                </a:tc>
+                <a:tc>
+                  <a:txBody>
+                    <a:bodyPr/>
+                    <a:lstStyle/>
+                    <a:p>
+                      <a:pPr rtl="1"/>
+                      <a:r>
+                        <a:rPr lang="he-IL" dirty="0"/>
+                        <a:t>ד</a:t>
+                      </a:r>
+                    </a:p>
+                  </a:txBody>
+                  <a:tcPr/>
+                </a:tc>
+                <a:tc>
+                  <a:txBody>
+                    <a:bodyPr/>
+                    <a:lstStyle/>
+                    <a:p>
+                      <a:pPr rtl="1"/>
+                      <a:r>
+                        <a:rPr lang="he-IL" dirty="0"/>
+                        <a:t>ה</a:t>
+                      </a:r>
+                    </a:p>
+                  </a:txBody>
+                  <a:tcPr/>
+                </a:tc>
+                <a:tc>
+                  <a:txBody>
+                    <a:bodyPr/>
+                    <a:lstStyle/>
+                    <a:p>
+                      <a:pPr rtl="1"/>
+                      <a:r>
+                        <a:rPr lang="he-IL" dirty="0"/>
+                        <a:t>ן</a:t>
+                      </a:r>
+                    </a:p>
+                  </a:txBody>
+                  <a:tcPr/>
+                </a:tc>
+                <a:extLst>
+                  <a:ext uri="{0D108BD9-81ED-4DB2-BD59-A6C34878D82A}">
+                    <a16:rowId xmlns:a16="http://schemas.microsoft.com/office/drawing/2014/main" val="1754905"/>
+                  </a:ext>
+                </a:extLst>
+              </a:tr>
+              <a:tr h="370840">
+                <a:tc>
+                  <a:txBody>
+                    <a:bodyPr/>
+                    <a:lstStyle/>
+                    <a:p>
+                      <a:pPr rtl="1"/>
+                      <a:r>
+                        <a:rPr lang="he-IL" dirty="0"/>
+                        <a:t>א</a:t>
+                      </a:r>
+                    </a:p>
+                  </a:txBody>
+                  <a:tcPr/>
+                </a:tc>
+                <a:tc>
+                  <a:txBody>
+                    <a:bodyPr/>
+                    <a:lstStyle/>
+                    <a:p>
+                      <a:pPr rtl="1"/>
+                      <a:r>
+                        <a:rPr lang="he-IL" dirty="0"/>
+                        <a:t>ב</a:t>
+                      </a:r>
+                    </a:p>
+                  </a:txBody>
+                  <a:tcPr/>
+                </a:tc>
+                <a:tc>
+                  <a:txBody>
+                    <a:bodyPr/>
+                    <a:lstStyle/>
+                    <a:p>
+                      <a:pPr rtl="1"/>
+                      <a:endParaRPr lang="he-IL"/>
+                    </a:p>
+                  </a:txBody>
+                  <a:tcPr/>
+                </a:tc>
+                <a:tc>
+                  <a:txBody>
+                    <a:bodyPr/>
+                    <a:lstStyle/>
+                    <a:p>
+                      <a:pPr rtl="1"/>
+                      <a:endParaRPr lang="he-IL"/>
+                    </a:p>
+                  </a:txBody>
+                  <a:tcPr/>
+                </a:tc>
+                <a:tc>
+                  <a:txBody>
+                    <a:bodyPr/>
+                    <a:lstStyle/>
+                    <a:p>
+                      <a:pPr rtl="1"/>
+                      <a:endParaRPr lang="he-IL"/>
+                    </a:p>
+                  </a:txBody>
+                  <a:tcPr/>
+                </a:tc>
+                <a:tc>
+                  <a:txBody>
+                    <a:bodyPr/>
+                    <a:lstStyle/>
+                    <a:p>
+                      <a:pPr rtl="1"/>
+                      <a:endParaRPr lang="he-IL"/>
+                    </a:p>
+                  </a:txBody>
+                  <a:tcPr/>
+                </a:tc>
+                <a:extLst>
+                  <a:ext uri="{0D108BD9-81ED-4DB2-BD59-A6C34878D82A}">
+                    <a16:rowId xmlns:a16="http://schemas.microsoft.com/office/drawing/2014/main" val="3358863695"/>
+                  </a:ext>
+                </a:extLst>
+              </a:tr>
+              <a:tr h="370840">
+                <a:tc>
+                  <a:txBody>
+                    <a:bodyPr/>
+                    <a:lstStyle/>
+                    <a:p>
+                      <a:pPr rtl="1"/>
+                      <a:endParaRPr lang="he-IL"/>
+                    </a:p>
+                  </a:txBody>
+                  <a:tcPr/>
+                </a:tc>
+                <a:tc>
+                  <a:txBody>
+                    <a:bodyPr/>
+                    <a:lstStyle/>
+                    <a:p>
+                      <a:pPr rtl="1"/>
+                      <a:endParaRPr lang="he-IL"/>
+                    </a:p>
+                  </a:txBody>
+                  <a:tcPr/>
+                </a:tc>
+                <a:tc>
+                  <a:txBody>
+                    <a:bodyPr/>
+                    <a:lstStyle/>
+                    <a:p>
+                      <a:pPr rtl="1"/>
+                      <a:endParaRPr lang="he-IL"/>
+                    </a:p>
+                  </a:txBody>
+                  <a:tcPr/>
+                </a:tc>
+                <a:tc>
+                  <a:txBody>
+                    <a:bodyPr/>
+                    <a:lstStyle/>
+                    <a:p>
+                      <a:pPr rtl="1"/>
+                      <a:endParaRPr lang="he-IL"/>
+                    </a:p>
+                  </a:txBody>
+                  <a:tcPr/>
+                </a:tc>
+                <a:tc>
+                  <a:txBody>
+                    <a:bodyPr/>
+                    <a:lstStyle/>
+                    <a:p>
+                      <a:pPr rtl="1"/>
+                      <a:endParaRPr lang="he-IL"/>
+                    </a:p>
+                  </a:txBody>
+                  <a:tcPr/>
+                </a:tc>
+                <a:tc>
+                  <a:txBody>
+                    <a:bodyPr/>
+                    <a:lstStyle/>
+                    <a:p>
+                      <a:pPr rtl="1"/>
+                      <a:endParaRPr lang="he-IL" dirty="0"/>
+                    </a:p>
+                  </a:txBody>
+                  <a:tcPr/>
+                </a:tc>
+                <a:extLst>
+                  <a:ext uri="{0D108BD9-81ED-4DB2-BD59-A6C34878D82A}">
+                    <a16:rowId xmlns:a16="http://schemas.microsoft.com/office/drawing/2014/main" val="893435602"/>
+                  </a:ext>
+                </a:extLst>
+              </a:tr>
+            </a:tbl>
+          </a:graphicData>
+        </a:graphic>
+      </p:graphicFrame>
+    </p:spTree>
+    <p:extLst>
+      <p:ext uri="{BB962C8B-B14F-4D97-AF65-F5344CB8AC3E}">
+        <p14:creationId xmlns:p14="http://schemas.microsoft.com/office/powerpoint/2010/main" val="2701788534"/>
+      </p:ext>
+    </p:extLst>
+  </p:cSld>
+  <p:clrMapOvr>
+    <a:masterClrMapping/>
+  </p:clrMapOvr>
+</p:sld>
+</file>
+
+<file path=ppt/slides/slide17.xml><?xml version="1.0" encoding="utf-8"?>
+<p:sld xmlns:a="http://schemas.openxmlformats.org/drawingml/2006/main" xmlns:r="http://schemas.openxmlformats.org/officeDocument/2006/relationships" xmlns:p="http://schemas.openxmlformats.org/presentationml/2006/main">
+  <p:cSld>
+    <p:spTree>
+      <p:nvGrpSpPr>
+        <p:cNvPr id="1" name=""/>
+        <p:cNvGrpSpPr/>
+        <p:nvPr/>
+      </p:nvGrpSpPr>
+      <p:grpSpPr>
+        <a:xfrm>
+          <a:off x="0" y="0"/>
+          <a:ext cx="0" cy="0"/>
+          <a:chOff x="0" y="0"/>
+          <a:chExt cx="0" cy="0"/>
+        </a:xfrm>
+      </p:grpSpPr>
+      <p:sp>
+        <p:nvSpPr>
           <p:cNvPr id="2" name="Rectangle 1">
             <a:extLst>
               <a:ext uri="{FF2B5EF4-FFF2-40B4-BE49-F238E27FC236}">
@@ -40742,6 +43563,56 @@
           </a:prstGeom>
         </p:spPr>
       </p:pic>
+      <p:sp>
+        <p:nvSpPr>
+          <p:cNvPr id="114" name="Rectangle 113">
+            <a:extLst>
+              <a:ext uri="{FF2B5EF4-FFF2-40B4-BE49-F238E27FC236}">
+                <a16:creationId xmlns:a16="http://schemas.microsoft.com/office/drawing/2014/main" id="{361D52F5-2CAD-4D44-BE0D-C410E8923CB0}"/>
+              </a:ext>
+            </a:extLst>
+          </p:cNvPr>
+          <p:cNvSpPr/>
+          <p:nvPr/>
+        </p:nvSpPr>
+        <p:spPr>
+          <a:xfrm>
+            <a:off x="10319899" y="4819602"/>
+            <a:ext cx="1028257" cy="276999"/>
+          </a:xfrm>
+          <a:prstGeom prst="rect">
+            <a:avLst/>
+          </a:prstGeom>
+        </p:spPr>
+        <p:style>
+          <a:lnRef idx="2">
+            <a:schemeClr val="accent1">
+              <a:shade val="50000"/>
+            </a:schemeClr>
+          </a:lnRef>
+          <a:fillRef idx="1">
+            <a:schemeClr val="accent1"/>
+          </a:fillRef>
+          <a:effectRef idx="0">
+            <a:schemeClr val="accent1"/>
+          </a:effectRef>
+          <a:fontRef idx="minor">
+            <a:schemeClr val="lt1"/>
+          </a:fontRef>
+        </p:style>
+        <p:txBody>
+          <a:bodyPr rtlCol="1" anchor="ctr"/>
+          <a:lstStyle/>
+          <a:p>
+            <a:pPr algn="ctr"/>
+            <a:r>
+              <a:rPr lang="en-US" dirty="0"/>
+              <a:t>number</a:t>
+            </a:r>
+            <a:endParaRPr lang="he-IL" dirty="0"/>
+          </a:p>
+        </p:txBody>
+      </p:sp>
     </p:spTree>
     <p:extLst>
       <p:ext uri="{BB962C8B-B14F-4D97-AF65-F5344CB8AC3E}">

--- a/User interface.pptx
+++ b/User interface.pptx
@@ -585,7 +585,7 @@
           <a:p>
             <a:fld id="{98214943-1E5A-4844-AFF2-77EB2CBAFB61}" type="datetimeFigureOut">
               <a:rPr lang="he-IL" smtClean="0"/>
-              <a:t>כ"ב/טבת/תשפ"א</a:t>
+              <a:t>כ"ג/טבת/תשפ"א</a:t>
             </a:fld>
             <a:endParaRPr lang="he-IL"/>
           </a:p>
@@ -785,7 +785,7 @@
           <a:p>
             <a:fld id="{98214943-1E5A-4844-AFF2-77EB2CBAFB61}" type="datetimeFigureOut">
               <a:rPr lang="he-IL" smtClean="0"/>
-              <a:t>כ"ב/טבת/תשפ"א</a:t>
+              <a:t>כ"ג/טבת/תשפ"א</a:t>
             </a:fld>
             <a:endParaRPr lang="he-IL"/>
           </a:p>
@@ -995,7 +995,7 @@
           <a:p>
             <a:fld id="{98214943-1E5A-4844-AFF2-77EB2CBAFB61}" type="datetimeFigureOut">
               <a:rPr lang="he-IL" smtClean="0"/>
-              <a:t>כ"ב/טבת/תשפ"א</a:t>
+              <a:t>כ"ג/טבת/תשפ"א</a:t>
             </a:fld>
             <a:endParaRPr lang="he-IL"/>
           </a:p>
@@ -1195,7 +1195,7 @@
           <a:p>
             <a:fld id="{98214943-1E5A-4844-AFF2-77EB2CBAFB61}" type="datetimeFigureOut">
               <a:rPr lang="he-IL" smtClean="0"/>
-              <a:t>כ"ב/טבת/תשפ"א</a:t>
+              <a:t>כ"ג/טבת/תשפ"א</a:t>
             </a:fld>
             <a:endParaRPr lang="he-IL"/>
           </a:p>
@@ -1471,7 +1471,7 @@
           <a:p>
             <a:fld id="{98214943-1E5A-4844-AFF2-77EB2CBAFB61}" type="datetimeFigureOut">
               <a:rPr lang="he-IL" smtClean="0"/>
-              <a:t>כ"ב/טבת/תשפ"א</a:t>
+              <a:t>כ"ג/טבת/תשפ"א</a:t>
             </a:fld>
             <a:endParaRPr lang="he-IL"/>
           </a:p>
@@ -1739,7 +1739,7 @@
           <a:p>
             <a:fld id="{98214943-1E5A-4844-AFF2-77EB2CBAFB61}" type="datetimeFigureOut">
               <a:rPr lang="he-IL" smtClean="0"/>
-              <a:t>כ"ב/טבת/תשפ"א</a:t>
+              <a:t>כ"ג/טבת/תשפ"א</a:t>
             </a:fld>
             <a:endParaRPr lang="he-IL"/>
           </a:p>
@@ -2154,7 +2154,7 @@
           <a:p>
             <a:fld id="{98214943-1E5A-4844-AFF2-77EB2CBAFB61}" type="datetimeFigureOut">
               <a:rPr lang="he-IL" smtClean="0"/>
-              <a:t>כ"ב/טבת/תשפ"א</a:t>
+              <a:t>כ"ג/טבת/תשפ"א</a:t>
             </a:fld>
             <a:endParaRPr lang="he-IL"/>
           </a:p>
@@ -2296,7 +2296,7 @@
           <a:p>
             <a:fld id="{98214943-1E5A-4844-AFF2-77EB2CBAFB61}" type="datetimeFigureOut">
               <a:rPr lang="he-IL" smtClean="0"/>
-              <a:t>כ"ב/טבת/תשפ"א</a:t>
+              <a:t>כ"ג/טבת/תשפ"א</a:t>
             </a:fld>
             <a:endParaRPr lang="he-IL"/>
           </a:p>
@@ -2409,7 +2409,7 @@
           <a:p>
             <a:fld id="{98214943-1E5A-4844-AFF2-77EB2CBAFB61}" type="datetimeFigureOut">
               <a:rPr lang="he-IL" smtClean="0"/>
-              <a:t>כ"ב/טבת/תשפ"א</a:t>
+              <a:t>כ"ג/טבת/תשפ"א</a:t>
             </a:fld>
             <a:endParaRPr lang="he-IL"/>
           </a:p>
@@ -2722,7 +2722,7 @@
           <a:p>
             <a:fld id="{98214943-1E5A-4844-AFF2-77EB2CBAFB61}" type="datetimeFigureOut">
               <a:rPr lang="he-IL" smtClean="0"/>
-              <a:t>כ"ב/טבת/תשפ"א</a:t>
+              <a:t>כ"ג/טבת/תשפ"א</a:t>
             </a:fld>
             <a:endParaRPr lang="he-IL"/>
           </a:p>
@@ -3011,7 +3011,7 @@
           <a:p>
             <a:fld id="{98214943-1E5A-4844-AFF2-77EB2CBAFB61}" type="datetimeFigureOut">
               <a:rPr lang="he-IL" smtClean="0"/>
-              <a:t>כ"ב/טבת/תשפ"א</a:t>
+              <a:t>כ"ג/טבת/תשפ"א</a:t>
             </a:fld>
             <a:endParaRPr lang="he-IL"/>
           </a:p>
@@ -3254,7 +3254,7 @@
           <a:p>
             <a:fld id="{98214943-1E5A-4844-AFF2-77EB2CBAFB61}" type="datetimeFigureOut">
               <a:rPr lang="he-IL" smtClean="0"/>
-              <a:t>כ"ב/טבת/תשפ"א</a:t>
+              <a:t>כ"ג/טבת/תשפ"א</a:t>
             </a:fld>
             <a:endParaRPr lang="he-IL"/>
           </a:p>
@@ -30811,10 +30811,10 @@
       </p:sp>
       <p:graphicFrame>
         <p:nvGraphicFramePr>
-          <p:cNvPr id="2" name="Table 11">
-            <a:extLst>
-              <a:ext uri="{FF2B5EF4-FFF2-40B4-BE49-F238E27FC236}">
-                <a16:creationId xmlns:a16="http://schemas.microsoft.com/office/drawing/2014/main" id="{DF9AC330-BB46-44B9-8B31-3EFD5AE20C73}"/>
+          <p:cNvPr id="5" name="Table 4">
+            <a:extLst>
+              <a:ext uri="{FF2B5EF4-FFF2-40B4-BE49-F238E27FC236}">
+                <a16:creationId xmlns:a16="http://schemas.microsoft.com/office/drawing/2014/main" id="{F5F86E29-9AEA-45EA-896B-4D40089C23C8}"/>
               </a:ext>
             </a:extLst>
           </p:cNvPr>
@@ -30824,381 +30824,573 @@
           <p:nvPr>
             <p:extLst>
               <p:ext uri="{D42A27DB-BD31-4B8C-83A1-F6EECF244321}">
-                <p14:modId xmlns:p14="http://schemas.microsoft.com/office/powerpoint/2010/main" val="2044948958"/>
+                <p14:modId xmlns:p14="http://schemas.microsoft.com/office/powerpoint/2010/main" val="3453825601"/>
               </p:ext>
             </p:extLst>
           </p:nvPr>
         </p:nvGraphicFramePr>
         <p:xfrm>
-          <a:off x="422066" y="3070019"/>
-          <a:ext cx="5285496" cy="1483360"/>
+          <a:off x="506437" y="2700159"/>
+          <a:ext cx="5050304" cy="1671789"/>
         </p:xfrm>
         <a:graphic>
           <a:graphicData uri="http://schemas.openxmlformats.org/drawingml/2006/table">
             <a:tbl>
-              <a:tblPr rtl="1" firstRow="1" bandRow="1">
+              <a:tblPr>
                 <a:tableStyleId>{5C22544A-7EE6-4342-B048-85BDC9FD1C3A}</a:tableStyleId>
               </a:tblPr>
               <a:tblGrid>
-                <a:gridCol w="880916">
+                <a:gridCol w="721472">
                   <a:extLst>
                     <a:ext uri="{9D8B030D-6E8A-4147-A177-3AD203B41FA5}">
-                      <a16:colId xmlns:a16="http://schemas.microsoft.com/office/drawing/2014/main" val="4128426153"/>
+                      <a16:colId xmlns:a16="http://schemas.microsoft.com/office/drawing/2014/main" val="94284867"/>
                     </a:ext>
                   </a:extLst>
                 </a:gridCol>
-                <a:gridCol w="880916">
+                <a:gridCol w="721472">
                   <a:extLst>
                     <a:ext uri="{9D8B030D-6E8A-4147-A177-3AD203B41FA5}">
-                      <a16:colId xmlns:a16="http://schemas.microsoft.com/office/drawing/2014/main" val="1083160346"/>
+                      <a16:colId xmlns:a16="http://schemas.microsoft.com/office/drawing/2014/main" val="1864749447"/>
                     </a:ext>
                   </a:extLst>
                 </a:gridCol>
-                <a:gridCol w="880916">
+                <a:gridCol w="721472">
                   <a:extLst>
                     <a:ext uri="{9D8B030D-6E8A-4147-A177-3AD203B41FA5}">
-                      <a16:colId xmlns:a16="http://schemas.microsoft.com/office/drawing/2014/main" val="1914933752"/>
+                      <a16:colId xmlns:a16="http://schemas.microsoft.com/office/drawing/2014/main" val="1405599995"/>
                     </a:ext>
                   </a:extLst>
                 </a:gridCol>
-                <a:gridCol w="880916">
+                <a:gridCol w="721472">
                   <a:extLst>
                     <a:ext uri="{9D8B030D-6E8A-4147-A177-3AD203B41FA5}">
-                      <a16:colId xmlns:a16="http://schemas.microsoft.com/office/drawing/2014/main" val="3713439850"/>
+                      <a16:colId xmlns:a16="http://schemas.microsoft.com/office/drawing/2014/main" val="1161389737"/>
                     </a:ext>
                   </a:extLst>
                 </a:gridCol>
-                <a:gridCol w="880916">
+                <a:gridCol w="721472">
                   <a:extLst>
                     <a:ext uri="{9D8B030D-6E8A-4147-A177-3AD203B41FA5}">
-                      <a16:colId xmlns:a16="http://schemas.microsoft.com/office/drawing/2014/main" val="1450631460"/>
+                      <a16:colId xmlns:a16="http://schemas.microsoft.com/office/drawing/2014/main" val="1669631700"/>
                     </a:ext>
                   </a:extLst>
                 </a:gridCol>
-                <a:gridCol w="880916">
+                <a:gridCol w="721472">
                   <a:extLst>
                     <a:ext uri="{9D8B030D-6E8A-4147-A177-3AD203B41FA5}">
-                      <a16:colId xmlns:a16="http://schemas.microsoft.com/office/drawing/2014/main" val="1197524287"/>
+                      <a16:colId xmlns:a16="http://schemas.microsoft.com/office/drawing/2014/main" val="495822264"/>
+                    </a:ext>
+                  </a:extLst>
+                </a:gridCol>
+                <a:gridCol w="721472">
+                  <a:extLst>
+                    <a:ext uri="{9D8B030D-6E8A-4147-A177-3AD203B41FA5}">
+                      <a16:colId xmlns:a16="http://schemas.microsoft.com/office/drawing/2014/main" val="2021839996"/>
                     </a:ext>
                   </a:extLst>
                 </a:gridCol>
               </a:tblGrid>
-              <a:tr h="370840">
+              <a:tr h="557263">
                 <a:tc>
                   <a:txBody>
                     <a:bodyPr/>
                     <a:lstStyle/>
                     <a:p>
-                      <a:pPr rtl="1"/>
+                      <a:pPr algn="r" fontAlgn="b"/>
                       <a:r>
-                        <a:rPr lang="he-IL" dirty="0"/>
-                        <a:t>תאריך</a:t>
+                        <a:rPr lang="he-IL" sz="1100" u="none" strike="noStrike">
+                          <a:effectLst/>
+                        </a:rPr>
+                        <a:t>10/01/2021</a:t>
                       </a:r>
+                      <a:endParaRPr lang="he-IL" sz="1100" b="0" i="0" u="none" strike="noStrike">
+                        <a:solidFill>
+                          <a:srgbClr val="000000"/>
+                        </a:solidFill>
+                        <a:effectLst/>
+                        <a:latin typeface="Arial" panose="020B0604020202020204" pitchFamily="34" charset="0"/>
+                      </a:endParaRPr>
                     </a:p>
                   </a:txBody>
-                  <a:tcPr/>
+                  <a:tcPr marL="9525" marR="9525" marT="9525" marB="0" anchor="b"/>
                 </a:tc>
                 <a:tc>
                   <a:txBody>
                     <a:bodyPr/>
                     <a:lstStyle/>
                     <a:p>
-                      <a:pPr rtl="1"/>
-                      <a:endParaRPr lang="he-IL"/>
+                      <a:pPr algn="r" fontAlgn="b"/>
+                      <a:r>
+                        <a:rPr lang="he-IL" sz="1100" u="none" strike="noStrike">
+                          <a:effectLst/>
+                        </a:rPr>
+                        <a:t>11/01/2021</a:t>
+                      </a:r>
+                      <a:endParaRPr lang="he-IL" sz="1100" b="0" i="0" u="none" strike="noStrike">
+                        <a:solidFill>
+                          <a:srgbClr val="000000"/>
+                        </a:solidFill>
+                        <a:effectLst/>
+                        <a:latin typeface="Arial" panose="020B0604020202020204" pitchFamily="34" charset="0"/>
+                      </a:endParaRPr>
                     </a:p>
                   </a:txBody>
-                  <a:tcPr/>
+                  <a:tcPr marL="9525" marR="9525" marT="9525" marB="0" anchor="b"/>
                 </a:tc>
                 <a:tc>
                   <a:txBody>
                     <a:bodyPr/>
                     <a:lstStyle/>
                     <a:p>
-                      <a:pPr rtl="1"/>
-                      <a:endParaRPr lang="he-IL"/>
+                      <a:pPr algn="r" fontAlgn="b"/>
+                      <a:r>
+                        <a:rPr lang="he-IL" sz="1100" u="none" strike="noStrike">
+                          <a:effectLst/>
+                        </a:rPr>
+                        <a:t>12/01/2021</a:t>
+                      </a:r>
+                      <a:endParaRPr lang="he-IL" sz="1100" b="0" i="0" u="none" strike="noStrike">
+                        <a:solidFill>
+                          <a:srgbClr val="000000"/>
+                        </a:solidFill>
+                        <a:effectLst/>
+                        <a:latin typeface="Arial" panose="020B0604020202020204" pitchFamily="34" charset="0"/>
+                      </a:endParaRPr>
                     </a:p>
                   </a:txBody>
-                  <a:tcPr/>
+                  <a:tcPr marL="9525" marR="9525" marT="9525" marB="0" anchor="b"/>
                 </a:tc>
                 <a:tc>
                   <a:txBody>
                     <a:bodyPr/>
                     <a:lstStyle/>
                     <a:p>
-                      <a:pPr rtl="1"/>
-                      <a:endParaRPr lang="he-IL"/>
+                      <a:pPr algn="r" fontAlgn="b"/>
+                      <a:r>
+                        <a:rPr lang="he-IL" sz="1100" u="none" strike="noStrike">
+                          <a:effectLst/>
+                        </a:rPr>
+                        <a:t>13/01/2021</a:t>
+                      </a:r>
+                      <a:endParaRPr lang="he-IL" sz="1100" b="0" i="0" u="none" strike="noStrike">
+                        <a:solidFill>
+                          <a:srgbClr val="000000"/>
+                        </a:solidFill>
+                        <a:effectLst/>
+                        <a:latin typeface="Arial" panose="020B0604020202020204" pitchFamily="34" charset="0"/>
+                      </a:endParaRPr>
                     </a:p>
                   </a:txBody>
-                  <a:tcPr/>
+                  <a:tcPr marL="9525" marR="9525" marT="9525" marB="0" anchor="b"/>
                 </a:tc>
                 <a:tc>
                   <a:txBody>
                     <a:bodyPr/>
                     <a:lstStyle/>
                     <a:p>
-                      <a:pPr rtl="1"/>
-                      <a:endParaRPr lang="he-IL"/>
+                      <a:pPr algn="r" fontAlgn="b"/>
+                      <a:r>
+                        <a:rPr lang="he-IL" sz="1100" u="none" strike="noStrike">
+                          <a:effectLst/>
+                        </a:rPr>
+                        <a:t>14/01/2021</a:t>
+                      </a:r>
+                      <a:endParaRPr lang="he-IL" sz="1100" b="0" i="0" u="none" strike="noStrike">
+                        <a:solidFill>
+                          <a:srgbClr val="000000"/>
+                        </a:solidFill>
+                        <a:effectLst/>
+                        <a:latin typeface="Arial" panose="020B0604020202020204" pitchFamily="34" charset="0"/>
+                      </a:endParaRPr>
                     </a:p>
                   </a:txBody>
-                  <a:tcPr/>
+                  <a:tcPr marL="9525" marR="9525" marT="9525" marB="0" anchor="b"/>
                 </a:tc>
                 <a:tc>
                   <a:txBody>
                     <a:bodyPr/>
                     <a:lstStyle/>
                     <a:p>
-                      <a:pPr rtl="1"/>
-                      <a:endParaRPr lang="he-IL"/>
+                      <a:pPr algn="r" fontAlgn="b"/>
+                      <a:r>
+                        <a:rPr lang="he-IL" sz="1100" u="none" strike="noStrike">
+                          <a:effectLst/>
+                        </a:rPr>
+                        <a:t>15/01/2021</a:t>
+                      </a:r>
+                      <a:endParaRPr lang="he-IL" sz="1100" b="0" i="0" u="none" strike="noStrike">
+                        <a:solidFill>
+                          <a:srgbClr val="000000"/>
+                        </a:solidFill>
+                        <a:effectLst/>
+                        <a:latin typeface="Arial" panose="020B0604020202020204" pitchFamily="34" charset="0"/>
+                      </a:endParaRPr>
                     </a:p>
                   </a:txBody>
-                  <a:tcPr/>
-                </a:tc>
-                <a:extLst>
-                  <a:ext uri="{0D108BD9-81ED-4DB2-BD59-A6C34878D82A}">
-                    <a16:rowId xmlns:a16="http://schemas.microsoft.com/office/drawing/2014/main" val="2235531881"/>
-                  </a:ext>
-                </a:extLst>
-              </a:tr>
-              <a:tr h="370840">
-                <a:tc>
-                  <a:txBody>
-                    <a:bodyPr/>
-                    <a:lstStyle/>
-                    <a:p>
-                      <a:pPr rtl="1"/>
-                      <a:r>
-                        <a:rPr lang="he-IL" dirty="0"/>
-                        <a:t>א</a:t>
-                      </a:r>
-                    </a:p>
-                  </a:txBody>
-                  <a:tcPr/>
+                  <a:tcPr marL="9525" marR="9525" marT="9525" marB="0" anchor="b"/>
                 </a:tc>
                 <a:tc>
                   <a:txBody>
                     <a:bodyPr/>
                     <a:lstStyle/>
                     <a:p>
-                      <a:pPr rtl="1"/>
+                      <a:pPr algn="r" fontAlgn="b"/>
                       <a:r>
-                        <a:rPr lang="he-IL" dirty="0"/>
-                        <a:t>ב</a:t>
+                        <a:rPr lang="he-IL" sz="1100" u="none" strike="noStrike">
+                          <a:effectLst/>
+                        </a:rPr>
+                        <a:t>16/01/2021</a:t>
                       </a:r>
+                      <a:endParaRPr lang="he-IL" sz="1100" b="0" i="0" u="none" strike="noStrike">
+                        <a:solidFill>
+                          <a:srgbClr val="000000"/>
+                        </a:solidFill>
+                        <a:effectLst/>
+                        <a:latin typeface="Arial" panose="020B0604020202020204" pitchFamily="34" charset="0"/>
+                      </a:endParaRPr>
                     </a:p>
                   </a:txBody>
-                  <a:tcPr/>
+                  <a:tcPr marL="9525" marR="9525" marT="9525" marB="0" anchor="b"/>
+                </a:tc>
+                <a:extLst>
+                  <a:ext uri="{0D108BD9-81ED-4DB2-BD59-A6C34878D82A}">
+                    <a16:rowId xmlns:a16="http://schemas.microsoft.com/office/drawing/2014/main" val="956725435"/>
+                  </a:ext>
+                </a:extLst>
+              </a:tr>
+              <a:tr h="557263">
+                <a:tc>
+                  <a:txBody>
+                    <a:bodyPr/>
+                    <a:lstStyle/>
+                    <a:p>
+                      <a:pPr algn="r" fontAlgn="b"/>
+                      <a:r>
+                        <a:rPr lang="he-IL" sz="1100" u="none" strike="noStrike">
+                          <a:effectLst/>
+                        </a:rPr>
+                        <a:t>17/01/2021</a:t>
+                      </a:r>
+                      <a:endParaRPr lang="he-IL" sz="1100" b="0" i="0" u="none" strike="noStrike">
+                        <a:solidFill>
+                          <a:srgbClr val="000000"/>
+                        </a:solidFill>
+                        <a:effectLst/>
+                        <a:latin typeface="Arial" panose="020B0604020202020204" pitchFamily="34" charset="0"/>
+                      </a:endParaRPr>
+                    </a:p>
+                  </a:txBody>
+                  <a:tcPr marL="9525" marR="9525" marT="9525" marB="0" anchor="b"/>
                 </a:tc>
                 <a:tc>
                   <a:txBody>
                     <a:bodyPr/>
                     <a:lstStyle/>
                     <a:p>
-                      <a:pPr rtl="1"/>
+                      <a:pPr algn="r" fontAlgn="b"/>
                       <a:r>
-                        <a:rPr lang="he-IL" dirty="0"/>
-                        <a:t>ג</a:t>
+                        <a:rPr lang="he-IL" sz="1100" u="none" strike="noStrike">
+                          <a:effectLst/>
+                        </a:rPr>
+                        <a:t>18/01/2021</a:t>
                       </a:r>
+                      <a:endParaRPr lang="he-IL" sz="1100" b="0" i="0" u="none" strike="noStrike">
+                        <a:solidFill>
+                          <a:srgbClr val="000000"/>
+                        </a:solidFill>
+                        <a:effectLst/>
+                        <a:latin typeface="Arial" panose="020B0604020202020204" pitchFamily="34" charset="0"/>
+                      </a:endParaRPr>
                     </a:p>
                   </a:txBody>
-                  <a:tcPr/>
+                  <a:tcPr marL="9525" marR="9525" marT="9525" marB="0" anchor="b"/>
                 </a:tc>
                 <a:tc>
                   <a:txBody>
                     <a:bodyPr/>
                     <a:lstStyle/>
                     <a:p>
-                      <a:pPr rtl="1"/>
+                      <a:pPr algn="r" fontAlgn="b"/>
                       <a:r>
-                        <a:rPr lang="he-IL" dirty="0"/>
-                        <a:t>ד</a:t>
+                        <a:rPr lang="he-IL" sz="1100" u="none" strike="noStrike">
+                          <a:effectLst/>
+                        </a:rPr>
+                        <a:t>19/01/2021</a:t>
                       </a:r>
+                      <a:endParaRPr lang="he-IL" sz="1100" b="0" i="0" u="none" strike="noStrike">
+                        <a:solidFill>
+                          <a:srgbClr val="000000"/>
+                        </a:solidFill>
+                        <a:effectLst/>
+                        <a:latin typeface="Arial" panose="020B0604020202020204" pitchFamily="34" charset="0"/>
+                      </a:endParaRPr>
                     </a:p>
                   </a:txBody>
-                  <a:tcPr/>
+                  <a:tcPr marL="9525" marR="9525" marT="9525" marB="0" anchor="b"/>
                 </a:tc>
                 <a:tc>
                   <a:txBody>
                     <a:bodyPr/>
                     <a:lstStyle/>
                     <a:p>
-                      <a:pPr rtl="1"/>
+                      <a:pPr algn="r" fontAlgn="b"/>
                       <a:r>
-                        <a:rPr lang="he-IL" dirty="0"/>
-                        <a:t>ה</a:t>
+                        <a:rPr lang="he-IL" sz="1100" u="none" strike="noStrike">
+                          <a:effectLst/>
+                        </a:rPr>
+                        <a:t>20/01/2021</a:t>
                       </a:r>
+                      <a:endParaRPr lang="he-IL" sz="1100" b="0" i="0" u="none" strike="noStrike">
+                        <a:solidFill>
+                          <a:srgbClr val="000000"/>
+                        </a:solidFill>
+                        <a:effectLst/>
+                        <a:latin typeface="Arial" panose="020B0604020202020204" pitchFamily="34" charset="0"/>
+                      </a:endParaRPr>
                     </a:p>
                   </a:txBody>
-                  <a:tcPr/>
+                  <a:tcPr marL="9525" marR="9525" marT="9525" marB="0" anchor="b"/>
                 </a:tc>
                 <a:tc>
                   <a:txBody>
                     <a:bodyPr/>
                     <a:lstStyle/>
                     <a:p>
-                      <a:pPr rtl="1"/>
+                      <a:pPr algn="r" fontAlgn="b"/>
                       <a:r>
-                        <a:rPr lang="he-IL" dirty="0"/>
-                        <a:t>ן</a:t>
+                        <a:rPr lang="he-IL" sz="1100" u="none" strike="noStrike">
+                          <a:effectLst/>
+                        </a:rPr>
+                        <a:t>21/01/2021</a:t>
                       </a:r>
+                      <a:endParaRPr lang="he-IL" sz="1100" b="0" i="0" u="none" strike="noStrike">
+                        <a:solidFill>
+                          <a:srgbClr val="000000"/>
+                        </a:solidFill>
+                        <a:effectLst/>
+                        <a:latin typeface="Arial" panose="020B0604020202020204" pitchFamily="34" charset="0"/>
+                      </a:endParaRPr>
                     </a:p>
                   </a:txBody>
-                  <a:tcPr/>
-                </a:tc>
-                <a:extLst>
-                  <a:ext uri="{0D108BD9-81ED-4DB2-BD59-A6C34878D82A}">
-                    <a16:rowId xmlns:a16="http://schemas.microsoft.com/office/drawing/2014/main" val="1754905"/>
-                  </a:ext>
-                </a:extLst>
-              </a:tr>
-              <a:tr h="370840">
-                <a:tc>
-                  <a:txBody>
-                    <a:bodyPr/>
-                    <a:lstStyle/>
-                    <a:p>
-                      <a:pPr rtl="1"/>
-                      <a:r>
-                        <a:rPr lang="he-IL" dirty="0"/>
-                        <a:t>א</a:t>
-                      </a:r>
-                    </a:p>
-                  </a:txBody>
-                  <a:tcPr/>
+                  <a:tcPr marL="9525" marR="9525" marT="9525" marB="0" anchor="b"/>
                 </a:tc>
                 <a:tc>
                   <a:txBody>
                     <a:bodyPr/>
                     <a:lstStyle/>
                     <a:p>
-                      <a:pPr rtl="1"/>
+                      <a:pPr algn="r" fontAlgn="b"/>
                       <a:r>
-                        <a:rPr lang="he-IL" dirty="0"/>
-                        <a:t>ב</a:t>
+                        <a:rPr lang="he-IL" sz="1100" u="none" strike="noStrike">
+                          <a:effectLst/>
+                        </a:rPr>
+                        <a:t>22/01/2021</a:t>
                       </a:r>
+                      <a:endParaRPr lang="he-IL" sz="1100" b="0" i="0" u="none" strike="noStrike">
+                        <a:solidFill>
+                          <a:srgbClr val="000000"/>
+                        </a:solidFill>
+                        <a:effectLst/>
+                        <a:latin typeface="Arial" panose="020B0604020202020204" pitchFamily="34" charset="0"/>
+                      </a:endParaRPr>
                     </a:p>
                   </a:txBody>
-                  <a:tcPr/>
+                  <a:tcPr marL="9525" marR="9525" marT="9525" marB="0" anchor="b"/>
                 </a:tc>
                 <a:tc>
                   <a:txBody>
                     <a:bodyPr/>
                     <a:lstStyle/>
                     <a:p>
-                      <a:pPr rtl="1"/>
-                      <a:endParaRPr lang="he-IL"/>
+                      <a:pPr algn="r" fontAlgn="b"/>
+                      <a:r>
+                        <a:rPr lang="he-IL" sz="1100" u="none" strike="noStrike">
+                          <a:effectLst/>
+                        </a:rPr>
+                        <a:t>23/01/2021</a:t>
+                      </a:r>
+                      <a:endParaRPr lang="he-IL" sz="1100" b="0" i="0" u="none" strike="noStrike">
+                        <a:solidFill>
+                          <a:srgbClr val="000000"/>
+                        </a:solidFill>
+                        <a:effectLst/>
+                        <a:latin typeface="Arial" panose="020B0604020202020204" pitchFamily="34" charset="0"/>
+                      </a:endParaRPr>
                     </a:p>
                   </a:txBody>
-                  <a:tcPr/>
+                  <a:tcPr marL="9525" marR="9525" marT="9525" marB="0" anchor="b"/>
+                </a:tc>
+                <a:extLst>
+                  <a:ext uri="{0D108BD9-81ED-4DB2-BD59-A6C34878D82A}">
+                    <a16:rowId xmlns:a16="http://schemas.microsoft.com/office/drawing/2014/main" val="510956011"/>
+                  </a:ext>
+                </a:extLst>
+              </a:tr>
+              <a:tr h="557263">
+                <a:tc>
+                  <a:txBody>
+                    <a:bodyPr/>
+                    <a:lstStyle/>
+                    <a:p>
+                      <a:pPr algn="r" fontAlgn="b"/>
+                      <a:r>
+                        <a:rPr lang="he-IL" sz="1100" u="none" strike="noStrike">
+                          <a:effectLst/>
+                        </a:rPr>
+                        <a:t>24/01/2021</a:t>
+                      </a:r>
+                      <a:endParaRPr lang="he-IL" sz="1100" b="0" i="0" u="none" strike="noStrike">
+                        <a:solidFill>
+                          <a:srgbClr val="000000"/>
+                        </a:solidFill>
+                        <a:effectLst/>
+                        <a:latin typeface="Arial" panose="020B0604020202020204" pitchFamily="34" charset="0"/>
+                      </a:endParaRPr>
+                    </a:p>
+                  </a:txBody>
+                  <a:tcPr marL="9525" marR="9525" marT="9525" marB="0" anchor="b"/>
                 </a:tc>
                 <a:tc>
                   <a:txBody>
                     <a:bodyPr/>
                     <a:lstStyle/>
                     <a:p>
-                      <a:pPr rtl="1"/>
-                      <a:endParaRPr lang="he-IL"/>
+                      <a:pPr algn="r" fontAlgn="b"/>
+                      <a:r>
+                        <a:rPr lang="he-IL" sz="1100" u="none" strike="noStrike">
+                          <a:effectLst/>
+                        </a:rPr>
+                        <a:t>25/01/2021</a:t>
+                      </a:r>
+                      <a:endParaRPr lang="he-IL" sz="1100" b="0" i="0" u="none" strike="noStrike">
+                        <a:solidFill>
+                          <a:srgbClr val="000000"/>
+                        </a:solidFill>
+                        <a:effectLst/>
+                        <a:latin typeface="Arial" panose="020B0604020202020204" pitchFamily="34" charset="0"/>
+                      </a:endParaRPr>
                     </a:p>
                   </a:txBody>
-                  <a:tcPr/>
+                  <a:tcPr marL="9525" marR="9525" marT="9525" marB="0" anchor="b"/>
                 </a:tc>
                 <a:tc>
                   <a:txBody>
                     <a:bodyPr/>
                     <a:lstStyle/>
                     <a:p>
-                      <a:pPr rtl="1"/>
-                      <a:endParaRPr lang="he-IL"/>
+                      <a:pPr algn="r" fontAlgn="b"/>
+                      <a:r>
+                        <a:rPr lang="he-IL" sz="1100" u="none" strike="noStrike">
+                          <a:effectLst/>
+                        </a:rPr>
+                        <a:t>26/01/2021</a:t>
+                      </a:r>
+                      <a:endParaRPr lang="he-IL" sz="1100" b="0" i="0" u="none" strike="noStrike">
+                        <a:solidFill>
+                          <a:srgbClr val="000000"/>
+                        </a:solidFill>
+                        <a:effectLst/>
+                        <a:latin typeface="Arial" panose="020B0604020202020204" pitchFamily="34" charset="0"/>
+                      </a:endParaRPr>
                     </a:p>
                   </a:txBody>
-                  <a:tcPr/>
+                  <a:tcPr marL="9525" marR="9525" marT="9525" marB="0" anchor="b"/>
                 </a:tc>
                 <a:tc>
                   <a:txBody>
                     <a:bodyPr/>
                     <a:lstStyle/>
                     <a:p>
-                      <a:pPr rtl="1"/>
-                      <a:endParaRPr lang="he-IL"/>
+                      <a:pPr algn="r" fontAlgn="b"/>
+                      <a:r>
+                        <a:rPr lang="he-IL" sz="1100" u="none" strike="noStrike">
+                          <a:effectLst/>
+                        </a:rPr>
+                        <a:t>27/01/2021</a:t>
+                      </a:r>
+                      <a:endParaRPr lang="he-IL" sz="1100" b="0" i="0" u="none" strike="noStrike">
+                        <a:solidFill>
+                          <a:srgbClr val="000000"/>
+                        </a:solidFill>
+                        <a:effectLst/>
+                        <a:latin typeface="Arial" panose="020B0604020202020204" pitchFamily="34" charset="0"/>
+                      </a:endParaRPr>
                     </a:p>
                   </a:txBody>
-                  <a:tcPr/>
-                </a:tc>
-                <a:extLst>
-                  <a:ext uri="{0D108BD9-81ED-4DB2-BD59-A6C34878D82A}">
-                    <a16:rowId xmlns:a16="http://schemas.microsoft.com/office/drawing/2014/main" val="3358863695"/>
-                  </a:ext>
-                </a:extLst>
-              </a:tr>
-              <a:tr h="370840">
-                <a:tc>
-                  <a:txBody>
-                    <a:bodyPr/>
-                    <a:lstStyle/>
-                    <a:p>
-                      <a:pPr rtl="1"/>
-                      <a:endParaRPr lang="he-IL"/>
-                    </a:p>
-                  </a:txBody>
-                  <a:tcPr/>
+                  <a:tcPr marL="9525" marR="9525" marT="9525" marB="0" anchor="b"/>
                 </a:tc>
                 <a:tc>
                   <a:txBody>
                     <a:bodyPr/>
                     <a:lstStyle/>
                     <a:p>
-                      <a:pPr rtl="1"/>
-                      <a:endParaRPr lang="he-IL"/>
+                      <a:pPr algn="r" fontAlgn="b"/>
+                      <a:r>
+                        <a:rPr lang="he-IL" sz="1100" u="none" strike="noStrike">
+                          <a:effectLst/>
+                        </a:rPr>
+                        <a:t>28/01/2021</a:t>
+                      </a:r>
+                      <a:endParaRPr lang="he-IL" sz="1100" b="0" i="0" u="none" strike="noStrike">
+                        <a:solidFill>
+                          <a:srgbClr val="000000"/>
+                        </a:solidFill>
+                        <a:effectLst/>
+                        <a:latin typeface="Arial" panose="020B0604020202020204" pitchFamily="34" charset="0"/>
+                      </a:endParaRPr>
                     </a:p>
                   </a:txBody>
-                  <a:tcPr/>
+                  <a:tcPr marL="9525" marR="9525" marT="9525" marB="0" anchor="b"/>
                 </a:tc>
                 <a:tc>
                   <a:txBody>
                     <a:bodyPr/>
                     <a:lstStyle/>
                     <a:p>
-                      <a:pPr rtl="1"/>
-                      <a:endParaRPr lang="he-IL"/>
+                      <a:pPr algn="r" fontAlgn="b"/>
+                      <a:r>
+                        <a:rPr lang="he-IL" sz="1100" u="none" strike="noStrike">
+                          <a:effectLst/>
+                        </a:rPr>
+                        <a:t>29/01/2021</a:t>
+                      </a:r>
+                      <a:endParaRPr lang="he-IL" sz="1100" b="0" i="0" u="none" strike="noStrike">
+                        <a:solidFill>
+                          <a:srgbClr val="000000"/>
+                        </a:solidFill>
+                        <a:effectLst/>
+                        <a:latin typeface="Arial" panose="020B0604020202020204" pitchFamily="34" charset="0"/>
+                      </a:endParaRPr>
                     </a:p>
                   </a:txBody>
-                  <a:tcPr/>
+                  <a:tcPr marL="9525" marR="9525" marT="9525" marB="0" anchor="b"/>
                 </a:tc>
                 <a:tc>
                   <a:txBody>
                     <a:bodyPr/>
                     <a:lstStyle/>
                     <a:p>
-                      <a:pPr rtl="1"/>
-                      <a:endParaRPr lang="he-IL"/>
+                      <a:pPr algn="r" fontAlgn="b"/>
+                      <a:r>
+                        <a:rPr lang="he-IL" sz="1100" u="none" strike="noStrike" dirty="0">
+                          <a:effectLst/>
+                        </a:rPr>
+                        <a:t>30/01/2021</a:t>
+                      </a:r>
+                      <a:endParaRPr lang="he-IL" sz="1100" b="0" i="0" u="none" strike="noStrike" dirty="0">
+                        <a:solidFill>
+                          <a:srgbClr val="000000"/>
+                        </a:solidFill>
+                        <a:effectLst/>
+                        <a:latin typeface="Arial" panose="020B0604020202020204" pitchFamily="34" charset="0"/>
+                      </a:endParaRPr>
                     </a:p>
                   </a:txBody>
-                  <a:tcPr/>
-                </a:tc>
-                <a:tc>
-                  <a:txBody>
-                    <a:bodyPr/>
-                    <a:lstStyle/>
-                    <a:p>
-                      <a:pPr rtl="1"/>
-                      <a:endParaRPr lang="he-IL"/>
-                    </a:p>
-                  </a:txBody>
-                  <a:tcPr/>
-                </a:tc>
-                <a:tc>
-                  <a:txBody>
-                    <a:bodyPr/>
-                    <a:lstStyle/>
-                    <a:p>
-                      <a:pPr rtl="1"/>
-                      <a:endParaRPr lang="he-IL" dirty="0"/>
-                    </a:p>
-                  </a:txBody>
-                  <a:tcPr/>
+                  <a:tcPr marL="9525" marR="9525" marT="9525" marB="0" anchor="b"/>
                 </a:tc>
                 <a:extLst>
                   <a:ext uri="{0D108BD9-81ED-4DB2-BD59-A6C34878D82A}">
-                    <a16:rowId xmlns:a16="http://schemas.microsoft.com/office/drawing/2014/main" val="893435602"/>
+                    <a16:rowId xmlns:a16="http://schemas.microsoft.com/office/drawing/2014/main" val="1162218115"/>
                   </a:ext>
                 </a:extLst>
               </a:tr>
@@ -35175,7 +35367,7 @@
         </p:nvSpPr>
         <p:spPr>
           <a:xfrm>
-            <a:off x="8923684" y="572946"/>
+            <a:off x="8852328" y="572538"/>
             <a:ext cx="1644690" cy="369332"/>
           </a:xfrm>
           <a:prstGeom prst="rect">
